--- a/PROJECT DOC/VBSSPP_PPT F.pptx
+++ b/PROJECT DOC/VBSSPP_PPT F.pptx
@@ -5,7 +5,7 @@
     <p:sldMasterId id="2147483659" r:id="rId1"/>
   </p:sldMasterIdLst>
   <p:notesMasterIdLst>
-    <p:notesMasterId r:id="rId25"/>
+    <p:notesMasterId r:id="rId22"/>
   </p:notesMasterIdLst>
   <p:sldIdLst>
     <p:sldId id="256" r:id="rId2"/>
@@ -20,46 +20,43 @@
     <p:sldId id="265" r:id="rId11"/>
     <p:sldId id="266" r:id="rId12"/>
     <p:sldId id="267" r:id="rId13"/>
-    <p:sldId id="268" r:id="rId14"/>
-    <p:sldId id="269" r:id="rId15"/>
-    <p:sldId id="270" r:id="rId16"/>
-    <p:sldId id="277" r:id="rId17"/>
-    <p:sldId id="278" r:id="rId18"/>
-    <p:sldId id="271" r:id="rId19"/>
-    <p:sldId id="272" r:id="rId20"/>
-    <p:sldId id="273" r:id="rId21"/>
-    <p:sldId id="274" r:id="rId22"/>
-    <p:sldId id="275" r:id="rId23"/>
-    <p:sldId id="276" r:id="rId24"/>
+    <p:sldId id="277" r:id="rId14"/>
+    <p:sldId id="278" r:id="rId15"/>
+    <p:sldId id="271" r:id="rId16"/>
+    <p:sldId id="272" r:id="rId17"/>
+    <p:sldId id="273" r:id="rId18"/>
+    <p:sldId id="274" r:id="rId19"/>
+    <p:sldId id="275" r:id="rId20"/>
+    <p:sldId id="276" r:id="rId21"/>
   </p:sldIdLst>
   <p:sldSz cx="9144000" cy="5143500" type="screen16x9"/>
   <p:notesSz cx="6858000" cy="9144000"/>
   <p:embeddedFontLst>
     <p:embeddedFont>
       <p:font typeface="Lato" panose="020B0604020202020204" charset="0"/>
-      <p:regular r:id="rId26"/>
-      <p:bold r:id="rId27"/>
-      <p:italic r:id="rId28"/>
-      <p:boldItalic r:id="rId29"/>
+      <p:regular r:id="rId23"/>
+      <p:bold r:id="rId24"/>
+      <p:italic r:id="rId25"/>
+      <p:boldItalic r:id="rId26"/>
     </p:embeddedFont>
     <p:embeddedFont>
       <p:font typeface="Merriweather" panose="020B0604020202020204" charset="0"/>
-      <p:regular r:id="rId30"/>
-      <p:bold r:id="rId31"/>
-      <p:italic r:id="rId32"/>
-      <p:boldItalic r:id="rId33"/>
+      <p:regular r:id="rId27"/>
+      <p:bold r:id="rId28"/>
+      <p:italic r:id="rId29"/>
+      <p:boldItalic r:id="rId30"/>
     </p:embeddedFont>
     <p:embeddedFont>
       <p:font typeface="Merriweather Black" panose="020B0604020202020204" charset="0"/>
-      <p:bold r:id="rId34"/>
-      <p:boldItalic r:id="rId35"/>
+      <p:bold r:id="rId31"/>
+      <p:boldItalic r:id="rId32"/>
     </p:embeddedFont>
     <p:embeddedFont>
       <p:font typeface="Montserrat" panose="020B0604020202020204" charset="0"/>
-      <p:regular r:id="rId36"/>
-      <p:bold r:id="rId37"/>
-      <p:italic r:id="rId38"/>
-      <p:boldItalic r:id="rId39"/>
+      <p:regular r:id="rId33"/>
+      <p:bold r:id="rId34"/>
+      <p:italic r:id="rId35"/>
+      <p:boldItalic r:id="rId36"/>
     </p:embeddedFont>
   </p:embeddedFontLst>
   <p:defaultTextStyle>
@@ -1382,318 +1379,6 @@
   <p:cSld>
     <p:spTree>
       <p:nvGrpSpPr>
-        <p:cNvPr id="1" name="Shape 312"/>
-        <p:cNvGrpSpPr/>
-        <p:nvPr/>
-      </p:nvGrpSpPr>
-      <p:grpSpPr>
-        <a:xfrm>
-          <a:off x="0" y="0"/>
-          <a:ext cx="0" cy="0"/>
-          <a:chOff x="0" y="0"/>
-          <a:chExt cx="0" cy="0"/>
-        </a:xfrm>
-      </p:grpSpPr>
-      <p:sp>
-        <p:nvSpPr>
-          <p:cNvPr id="313" name="Google Shape;313;p15:notes"/>
-          <p:cNvSpPr txBox="1">
-            <a:spLocks noGrp="1"/>
-          </p:cNvSpPr>
-          <p:nvPr>
-            <p:ph type="body" idx="1"/>
-          </p:nvPr>
-        </p:nvSpPr>
-        <p:spPr>
-          <a:xfrm>
-            <a:off x="685800" y="4343400"/>
-            <a:ext cx="5486400" cy="4114800"/>
-          </a:xfrm>
-          <a:prstGeom prst="rect">
-            <a:avLst/>
-          </a:prstGeom>
-        </p:spPr>
-        <p:txBody>
-          <a:bodyPr spcFirstLastPara="1" wrap="square" lIns="91425" tIns="91425" rIns="91425" bIns="91425" anchor="t" anchorCtr="0">
-            <a:noAutofit/>
-          </a:bodyPr>
-          <a:lstStyle/>
-          <a:p>
-            <a:pPr marL="0" lvl="0" indent="0" algn="l" rtl="0">
-              <a:spcBef>
-                <a:spcPts val="0"/>
-              </a:spcBef>
-              <a:spcAft>
-                <a:spcPts val="0"/>
-              </a:spcAft>
-              <a:buNone/>
-            </a:pPr>
-            <a:endParaRPr/>
-          </a:p>
-        </p:txBody>
-      </p:sp>
-      <p:sp>
-        <p:nvSpPr>
-          <p:cNvPr id="314" name="Google Shape;314;p15:notes"/>
-          <p:cNvSpPr>
-            <a:spLocks noGrp="1" noRot="1" noChangeAspect="1"/>
-          </p:cNvSpPr>
-          <p:nvPr>
-            <p:ph type="sldImg" idx="2"/>
-          </p:nvPr>
-        </p:nvSpPr>
-        <p:spPr>
-          <a:xfrm>
-            <a:off x="381300" y="685800"/>
-            <a:ext cx="6096075" cy="3429000"/>
-          </a:xfrm>
-          <a:custGeom>
-            <a:avLst/>
-            <a:gdLst/>
-            <a:ahLst/>
-            <a:cxnLst/>
-            <a:rect l="l" t="t" r="r" b="b"/>
-            <a:pathLst>
-              <a:path w="120000" h="120000" extrusionOk="0">
-                <a:moveTo>
-                  <a:pt x="0" y="0"/>
-                </a:moveTo>
-                <a:lnTo>
-                  <a:pt x="120000" y="0"/>
-                </a:lnTo>
-                <a:lnTo>
-                  <a:pt x="120000" y="120000"/>
-                </a:lnTo>
-                <a:lnTo>
-                  <a:pt x="0" y="120000"/>
-                </a:lnTo>
-                <a:close/>
-              </a:path>
-            </a:pathLst>
-          </a:custGeom>
-        </p:spPr>
-      </p:sp>
-    </p:spTree>
-  </p:cSld>
-  <p:clrMapOvr>
-    <a:masterClrMapping/>
-  </p:clrMapOvr>
-</p:notes>
-</file>
-
-<file path=ppt/notesSlides/notesSlide14.xml><?xml version="1.0" encoding="utf-8"?>
-<p:notes xmlns:a="http://schemas.openxmlformats.org/drawingml/2006/main" xmlns:r="http://schemas.openxmlformats.org/officeDocument/2006/relationships" xmlns:p="http://schemas.openxmlformats.org/presentationml/2006/main" showMasterSp="0" showMasterPhAnim="0">
-  <p:cSld>
-    <p:spTree>
-      <p:nvGrpSpPr>
-        <p:cNvPr id="1" name="Shape 318"/>
-        <p:cNvGrpSpPr/>
-        <p:nvPr/>
-      </p:nvGrpSpPr>
-      <p:grpSpPr>
-        <a:xfrm>
-          <a:off x="0" y="0"/>
-          <a:ext cx="0" cy="0"/>
-          <a:chOff x="0" y="0"/>
-          <a:chExt cx="0" cy="0"/>
-        </a:xfrm>
-      </p:grpSpPr>
-      <p:sp>
-        <p:nvSpPr>
-          <p:cNvPr id="319" name="Google Shape;319;p16:notes"/>
-          <p:cNvSpPr txBox="1">
-            <a:spLocks noGrp="1"/>
-          </p:cNvSpPr>
-          <p:nvPr>
-            <p:ph type="body" idx="1"/>
-          </p:nvPr>
-        </p:nvSpPr>
-        <p:spPr>
-          <a:xfrm>
-            <a:off x="685800" y="4343400"/>
-            <a:ext cx="5486400" cy="4114800"/>
-          </a:xfrm>
-          <a:prstGeom prst="rect">
-            <a:avLst/>
-          </a:prstGeom>
-        </p:spPr>
-        <p:txBody>
-          <a:bodyPr spcFirstLastPara="1" wrap="square" lIns="91425" tIns="91425" rIns="91425" bIns="91425" anchor="t" anchorCtr="0">
-            <a:noAutofit/>
-          </a:bodyPr>
-          <a:lstStyle/>
-          <a:p>
-            <a:pPr marL="0" lvl="0" indent="0" algn="l" rtl="0">
-              <a:spcBef>
-                <a:spcPts val="0"/>
-              </a:spcBef>
-              <a:spcAft>
-                <a:spcPts val="0"/>
-              </a:spcAft>
-              <a:buNone/>
-            </a:pPr>
-            <a:endParaRPr/>
-          </a:p>
-        </p:txBody>
-      </p:sp>
-      <p:sp>
-        <p:nvSpPr>
-          <p:cNvPr id="320" name="Google Shape;320;p16:notes"/>
-          <p:cNvSpPr>
-            <a:spLocks noGrp="1" noRot="1" noChangeAspect="1"/>
-          </p:cNvSpPr>
-          <p:nvPr>
-            <p:ph type="sldImg" idx="2"/>
-          </p:nvPr>
-        </p:nvSpPr>
-        <p:spPr>
-          <a:xfrm>
-            <a:off x="381300" y="685800"/>
-            <a:ext cx="6096075" cy="3429000"/>
-          </a:xfrm>
-          <a:custGeom>
-            <a:avLst/>
-            <a:gdLst/>
-            <a:ahLst/>
-            <a:cxnLst/>
-            <a:rect l="l" t="t" r="r" b="b"/>
-            <a:pathLst>
-              <a:path w="120000" h="120000" extrusionOk="0">
-                <a:moveTo>
-                  <a:pt x="0" y="0"/>
-                </a:moveTo>
-                <a:lnTo>
-                  <a:pt x="120000" y="0"/>
-                </a:lnTo>
-                <a:lnTo>
-                  <a:pt x="120000" y="120000"/>
-                </a:lnTo>
-                <a:lnTo>
-                  <a:pt x="0" y="120000"/>
-                </a:lnTo>
-                <a:close/>
-              </a:path>
-            </a:pathLst>
-          </a:custGeom>
-        </p:spPr>
-      </p:sp>
-    </p:spTree>
-  </p:cSld>
-  <p:clrMapOvr>
-    <a:masterClrMapping/>
-  </p:clrMapOvr>
-</p:notes>
-</file>
-
-<file path=ppt/notesSlides/notesSlide15.xml><?xml version="1.0" encoding="utf-8"?>
-<p:notes xmlns:a="http://schemas.openxmlformats.org/drawingml/2006/main" xmlns:r="http://schemas.openxmlformats.org/officeDocument/2006/relationships" xmlns:p="http://schemas.openxmlformats.org/presentationml/2006/main" showMasterSp="0" showMasterPhAnim="0">
-  <p:cSld>
-    <p:spTree>
-      <p:nvGrpSpPr>
-        <p:cNvPr id="1" name="Shape 324"/>
-        <p:cNvGrpSpPr/>
-        <p:nvPr/>
-      </p:nvGrpSpPr>
-      <p:grpSpPr>
-        <a:xfrm>
-          <a:off x="0" y="0"/>
-          <a:ext cx="0" cy="0"/>
-          <a:chOff x="0" y="0"/>
-          <a:chExt cx="0" cy="0"/>
-        </a:xfrm>
-      </p:grpSpPr>
-      <p:sp>
-        <p:nvSpPr>
-          <p:cNvPr id="325" name="Google Shape;325;p17:notes"/>
-          <p:cNvSpPr txBox="1">
-            <a:spLocks noGrp="1"/>
-          </p:cNvSpPr>
-          <p:nvPr>
-            <p:ph type="body" idx="1"/>
-          </p:nvPr>
-        </p:nvSpPr>
-        <p:spPr>
-          <a:xfrm>
-            <a:off x="685800" y="4343400"/>
-            <a:ext cx="5486400" cy="4114800"/>
-          </a:xfrm>
-          <a:prstGeom prst="rect">
-            <a:avLst/>
-          </a:prstGeom>
-        </p:spPr>
-        <p:txBody>
-          <a:bodyPr spcFirstLastPara="1" wrap="square" lIns="91425" tIns="91425" rIns="91425" bIns="91425" anchor="t" anchorCtr="0">
-            <a:noAutofit/>
-          </a:bodyPr>
-          <a:lstStyle/>
-          <a:p>
-            <a:pPr marL="0" lvl="0" indent="0" algn="l" rtl="0">
-              <a:spcBef>
-                <a:spcPts val="0"/>
-              </a:spcBef>
-              <a:spcAft>
-                <a:spcPts val="0"/>
-              </a:spcAft>
-              <a:buNone/>
-            </a:pPr>
-            <a:endParaRPr/>
-          </a:p>
-        </p:txBody>
-      </p:sp>
-      <p:sp>
-        <p:nvSpPr>
-          <p:cNvPr id="326" name="Google Shape;326;p17:notes"/>
-          <p:cNvSpPr>
-            <a:spLocks noGrp="1" noRot="1" noChangeAspect="1"/>
-          </p:cNvSpPr>
-          <p:nvPr>
-            <p:ph type="sldImg" idx="2"/>
-          </p:nvPr>
-        </p:nvSpPr>
-        <p:spPr>
-          <a:xfrm>
-            <a:off x="381300" y="685800"/>
-            <a:ext cx="6096075" cy="3429000"/>
-          </a:xfrm>
-          <a:custGeom>
-            <a:avLst/>
-            <a:gdLst/>
-            <a:ahLst/>
-            <a:cxnLst/>
-            <a:rect l="l" t="t" r="r" b="b"/>
-            <a:pathLst>
-              <a:path w="120000" h="120000" extrusionOk="0">
-                <a:moveTo>
-                  <a:pt x="0" y="0"/>
-                </a:moveTo>
-                <a:lnTo>
-                  <a:pt x="120000" y="0"/>
-                </a:lnTo>
-                <a:lnTo>
-                  <a:pt x="120000" y="120000"/>
-                </a:lnTo>
-                <a:lnTo>
-                  <a:pt x="0" y="120000"/>
-                </a:lnTo>
-                <a:close/>
-              </a:path>
-            </a:pathLst>
-          </a:custGeom>
-        </p:spPr>
-      </p:sp>
-    </p:spTree>
-  </p:cSld>
-  <p:clrMapOvr>
-    <a:masterClrMapping/>
-  </p:clrMapOvr>
-</p:notes>
-</file>
-
-<file path=ppt/notesSlides/notesSlide16.xml><?xml version="1.0" encoding="utf-8"?>
-<p:notes xmlns:a="http://schemas.openxmlformats.org/drawingml/2006/main" xmlns:r="http://schemas.openxmlformats.org/officeDocument/2006/relationships" xmlns:p="http://schemas.openxmlformats.org/presentationml/2006/main" showMasterSp="0" showMasterPhAnim="0">
-  <p:cSld>
-    <p:spTree>
-      <p:nvGrpSpPr>
         <p:cNvPr id="1" name="Shape 330"/>
         <p:cNvGrpSpPr/>
         <p:nvPr/>
@@ -1793,7 +1478,7 @@
 </p:notes>
 </file>
 
-<file path=ppt/notesSlides/notesSlide17.xml><?xml version="1.0" encoding="utf-8"?>
+<file path=ppt/notesSlides/notesSlide14.xml><?xml version="1.0" encoding="utf-8"?>
 <p:notes xmlns:a="http://schemas.openxmlformats.org/drawingml/2006/main" xmlns:r="http://schemas.openxmlformats.org/officeDocument/2006/relationships" xmlns:p="http://schemas.openxmlformats.org/presentationml/2006/main" showMasterSp="0" showMasterPhAnim="0">
   <p:cSld>
     <p:spTree>
@@ -1897,7 +1582,7 @@
 </p:notes>
 </file>
 
-<file path=ppt/notesSlides/notesSlide18.xml><?xml version="1.0" encoding="utf-8"?>
+<file path=ppt/notesSlides/notesSlide15.xml><?xml version="1.0" encoding="utf-8"?>
 <p:notes xmlns:a="http://schemas.openxmlformats.org/drawingml/2006/main" xmlns:r="http://schemas.openxmlformats.org/officeDocument/2006/relationships" xmlns:p="http://schemas.openxmlformats.org/presentationml/2006/main" showMasterSp="0" showMasterPhAnim="0">
   <p:cSld>
     <p:spTree>
@@ -2001,7 +1686,7 @@
 </p:notes>
 </file>
 
-<file path=ppt/notesSlides/notesSlide19.xml><?xml version="1.0" encoding="utf-8"?>
+<file path=ppt/notesSlides/notesSlide16.xml><?xml version="1.0" encoding="utf-8"?>
 <p:notes xmlns:a="http://schemas.openxmlformats.org/drawingml/2006/main" xmlns:r="http://schemas.openxmlformats.org/officeDocument/2006/relationships" xmlns:p="http://schemas.openxmlformats.org/presentationml/2006/main" showMasterSp="0" showMasterPhAnim="0">
   <p:cSld>
     <p:spTree>
@@ -2059,6 +1744,214 @@
       <p:sp>
         <p:nvSpPr>
           <p:cNvPr id="353" name="Google Shape;353;p20:notes"/>
+          <p:cNvSpPr>
+            <a:spLocks noGrp="1" noRot="1" noChangeAspect="1"/>
+          </p:cNvSpPr>
+          <p:nvPr>
+            <p:ph type="sldImg" idx="2"/>
+          </p:nvPr>
+        </p:nvSpPr>
+        <p:spPr>
+          <a:xfrm>
+            <a:off x="381000" y="685800"/>
+            <a:ext cx="6096000" cy="3429000"/>
+          </a:xfrm>
+          <a:custGeom>
+            <a:avLst/>
+            <a:gdLst/>
+            <a:ahLst/>
+            <a:cxnLst/>
+            <a:rect l="l" t="t" r="r" b="b"/>
+            <a:pathLst>
+              <a:path w="120000" h="120000" extrusionOk="0">
+                <a:moveTo>
+                  <a:pt x="0" y="0"/>
+                </a:moveTo>
+                <a:lnTo>
+                  <a:pt x="120000" y="0"/>
+                </a:lnTo>
+                <a:lnTo>
+                  <a:pt x="120000" y="120000"/>
+                </a:lnTo>
+                <a:lnTo>
+                  <a:pt x="0" y="120000"/>
+                </a:lnTo>
+                <a:close/>
+              </a:path>
+            </a:pathLst>
+          </a:custGeom>
+        </p:spPr>
+      </p:sp>
+    </p:spTree>
+  </p:cSld>
+  <p:clrMapOvr>
+    <a:masterClrMapping/>
+  </p:clrMapOvr>
+</p:notes>
+</file>
+
+<file path=ppt/notesSlides/notesSlide17.xml><?xml version="1.0" encoding="utf-8"?>
+<p:notes xmlns:a="http://schemas.openxmlformats.org/drawingml/2006/main" xmlns:r="http://schemas.openxmlformats.org/officeDocument/2006/relationships" xmlns:p="http://schemas.openxmlformats.org/presentationml/2006/main" showMasterSp="0" showMasterPhAnim="0">
+  <p:cSld>
+    <p:spTree>
+      <p:nvGrpSpPr>
+        <p:cNvPr id="1" name="Shape 357"/>
+        <p:cNvGrpSpPr/>
+        <p:nvPr/>
+      </p:nvGrpSpPr>
+      <p:grpSpPr>
+        <a:xfrm>
+          <a:off x="0" y="0"/>
+          <a:ext cx="0" cy="0"/>
+          <a:chOff x="0" y="0"/>
+          <a:chExt cx="0" cy="0"/>
+        </a:xfrm>
+      </p:grpSpPr>
+      <p:sp>
+        <p:nvSpPr>
+          <p:cNvPr id="358" name="Google Shape;358;p21:notes"/>
+          <p:cNvSpPr txBox="1">
+            <a:spLocks noGrp="1"/>
+          </p:cNvSpPr>
+          <p:nvPr>
+            <p:ph type="body" idx="1"/>
+          </p:nvPr>
+        </p:nvSpPr>
+        <p:spPr>
+          <a:xfrm>
+            <a:off x="685800" y="4343400"/>
+            <a:ext cx="5486400" cy="4114800"/>
+          </a:xfrm>
+          <a:prstGeom prst="rect">
+            <a:avLst/>
+          </a:prstGeom>
+        </p:spPr>
+        <p:txBody>
+          <a:bodyPr spcFirstLastPara="1" wrap="square" lIns="91425" tIns="91425" rIns="91425" bIns="91425" anchor="t" anchorCtr="0">
+            <a:noAutofit/>
+          </a:bodyPr>
+          <a:lstStyle/>
+          <a:p>
+            <a:pPr marL="0" lvl="0" indent="0" algn="l" rtl="0">
+              <a:spcBef>
+                <a:spcPts val="0"/>
+              </a:spcBef>
+              <a:spcAft>
+                <a:spcPts val="0"/>
+              </a:spcAft>
+              <a:buNone/>
+            </a:pPr>
+            <a:endParaRPr/>
+          </a:p>
+        </p:txBody>
+      </p:sp>
+      <p:sp>
+        <p:nvSpPr>
+          <p:cNvPr id="359" name="Google Shape;359;p21:notes"/>
+          <p:cNvSpPr>
+            <a:spLocks noGrp="1" noRot="1" noChangeAspect="1"/>
+          </p:cNvSpPr>
+          <p:nvPr>
+            <p:ph type="sldImg" idx="2"/>
+          </p:nvPr>
+        </p:nvSpPr>
+        <p:spPr>
+          <a:xfrm>
+            <a:off x="381300" y="685800"/>
+            <a:ext cx="6096075" cy="3429000"/>
+          </a:xfrm>
+          <a:custGeom>
+            <a:avLst/>
+            <a:gdLst/>
+            <a:ahLst/>
+            <a:cxnLst/>
+            <a:rect l="l" t="t" r="r" b="b"/>
+            <a:pathLst>
+              <a:path w="120000" h="120000" extrusionOk="0">
+                <a:moveTo>
+                  <a:pt x="0" y="0"/>
+                </a:moveTo>
+                <a:lnTo>
+                  <a:pt x="120000" y="0"/>
+                </a:lnTo>
+                <a:lnTo>
+                  <a:pt x="120000" y="120000"/>
+                </a:lnTo>
+                <a:lnTo>
+                  <a:pt x="0" y="120000"/>
+                </a:lnTo>
+                <a:close/>
+              </a:path>
+            </a:pathLst>
+          </a:custGeom>
+        </p:spPr>
+      </p:sp>
+    </p:spTree>
+  </p:cSld>
+  <p:clrMapOvr>
+    <a:masterClrMapping/>
+  </p:clrMapOvr>
+</p:notes>
+</file>
+
+<file path=ppt/notesSlides/notesSlide18.xml><?xml version="1.0" encoding="utf-8"?>
+<p:notes xmlns:a="http://schemas.openxmlformats.org/drawingml/2006/main" xmlns:r="http://schemas.openxmlformats.org/officeDocument/2006/relationships" xmlns:p="http://schemas.openxmlformats.org/presentationml/2006/main" showMasterSp="0" showMasterPhAnim="0">
+  <p:cSld>
+    <p:spTree>
+      <p:nvGrpSpPr>
+        <p:cNvPr id="1" name="Shape 363"/>
+        <p:cNvGrpSpPr/>
+        <p:nvPr/>
+      </p:nvGrpSpPr>
+      <p:grpSpPr>
+        <a:xfrm>
+          <a:off x="0" y="0"/>
+          <a:ext cx="0" cy="0"/>
+          <a:chOff x="0" y="0"/>
+          <a:chExt cx="0" cy="0"/>
+        </a:xfrm>
+      </p:grpSpPr>
+      <p:sp>
+        <p:nvSpPr>
+          <p:cNvPr id="364" name="Google Shape;364;p22:notes"/>
+          <p:cNvSpPr txBox="1">
+            <a:spLocks noGrp="1"/>
+          </p:cNvSpPr>
+          <p:nvPr>
+            <p:ph type="body" idx="1"/>
+          </p:nvPr>
+        </p:nvSpPr>
+        <p:spPr>
+          <a:xfrm>
+            <a:off x="685800" y="4343400"/>
+            <a:ext cx="5486400" cy="4114800"/>
+          </a:xfrm>
+          <a:prstGeom prst="rect">
+            <a:avLst/>
+          </a:prstGeom>
+        </p:spPr>
+        <p:txBody>
+          <a:bodyPr spcFirstLastPara="1" wrap="square" lIns="91425" tIns="91425" rIns="91425" bIns="91425" anchor="t" anchorCtr="0">
+            <a:noAutofit/>
+          </a:bodyPr>
+          <a:lstStyle/>
+          <a:p>
+            <a:pPr marL="0" lvl="0" indent="0" algn="l" rtl="0">
+              <a:spcBef>
+                <a:spcPts val="0"/>
+              </a:spcBef>
+              <a:spcAft>
+                <a:spcPts val="0"/>
+              </a:spcAft>
+              <a:buNone/>
+            </a:pPr>
+            <a:endParaRPr/>
+          </a:p>
+        </p:txBody>
+      </p:sp>
+      <p:sp>
+        <p:nvSpPr>
+          <p:cNvPr id="365" name="Google Shape;365;p22:notes"/>
           <p:cNvSpPr>
             <a:spLocks noGrp="1" noRot="1" noChangeAspect="1"/>
           </p:cNvSpPr>
@@ -2218,214 +2111,6 @@
             <a:endParaRPr/>
           </a:p>
         </p:txBody>
-      </p:sp>
-    </p:spTree>
-  </p:cSld>
-  <p:clrMapOvr>
-    <a:masterClrMapping/>
-  </p:clrMapOvr>
-</p:notes>
-</file>
-
-<file path=ppt/notesSlides/notesSlide20.xml><?xml version="1.0" encoding="utf-8"?>
-<p:notes xmlns:a="http://schemas.openxmlformats.org/drawingml/2006/main" xmlns:r="http://schemas.openxmlformats.org/officeDocument/2006/relationships" xmlns:p="http://schemas.openxmlformats.org/presentationml/2006/main" showMasterSp="0" showMasterPhAnim="0">
-  <p:cSld>
-    <p:spTree>
-      <p:nvGrpSpPr>
-        <p:cNvPr id="1" name="Shape 357"/>
-        <p:cNvGrpSpPr/>
-        <p:nvPr/>
-      </p:nvGrpSpPr>
-      <p:grpSpPr>
-        <a:xfrm>
-          <a:off x="0" y="0"/>
-          <a:ext cx="0" cy="0"/>
-          <a:chOff x="0" y="0"/>
-          <a:chExt cx="0" cy="0"/>
-        </a:xfrm>
-      </p:grpSpPr>
-      <p:sp>
-        <p:nvSpPr>
-          <p:cNvPr id="358" name="Google Shape;358;p21:notes"/>
-          <p:cNvSpPr txBox="1">
-            <a:spLocks noGrp="1"/>
-          </p:cNvSpPr>
-          <p:nvPr>
-            <p:ph type="body" idx="1"/>
-          </p:nvPr>
-        </p:nvSpPr>
-        <p:spPr>
-          <a:xfrm>
-            <a:off x="685800" y="4343400"/>
-            <a:ext cx="5486400" cy="4114800"/>
-          </a:xfrm>
-          <a:prstGeom prst="rect">
-            <a:avLst/>
-          </a:prstGeom>
-        </p:spPr>
-        <p:txBody>
-          <a:bodyPr spcFirstLastPara="1" wrap="square" lIns="91425" tIns="91425" rIns="91425" bIns="91425" anchor="t" anchorCtr="0">
-            <a:noAutofit/>
-          </a:bodyPr>
-          <a:lstStyle/>
-          <a:p>
-            <a:pPr marL="0" lvl="0" indent="0" algn="l" rtl="0">
-              <a:spcBef>
-                <a:spcPts val="0"/>
-              </a:spcBef>
-              <a:spcAft>
-                <a:spcPts val="0"/>
-              </a:spcAft>
-              <a:buNone/>
-            </a:pPr>
-            <a:endParaRPr/>
-          </a:p>
-        </p:txBody>
-      </p:sp>
-      <p:sp>
-        <p:nvSpPr>
-          <p:cNvPr id="359" name="Google Shape;359;p21:notes"/>
-          <p:cNvSpPr>
-            <a:spLocks noGrp="1" noRot="1" noChangeAspect="1"/>
-          </p:cNvSpPr>
-          <p:nvPr>
-            <p:ph type="sldImg" idx="2"/>
-          </p:nvPr>
-        </p:nvSpPr>
-        <p:spPr>
-          <a:xfrm>
-            <a:off x="381300" y="685800"/>
-            <a:ext cx="6096075" cy="3429000"/>
-          </a:xfrm>
-          <a:custGeom>
-            <a:avLst/>
-            <a:gdLst/>
-            <a:ahLst/>
-            <a:cxnLst/>
-            <a:rect l="l" t="t" r="r" b="b"/>
-            <a:pathLst>
-              <a:path w="120000" h="120000" extrusionOk="0">
-                <a:moveTo>
-                  <a:pt x="0" y="0"/>
-                </a:moveTo>
-                <a:lnTo>
-                  <a:pt x="120000" y="0"/>
-                </a:lnTo>
-                <a:lnTo>
-                  <a:pt x="120000" y="120000"/>
-                </a:lnTo>
-                <a:lnTo>
-                  <a:pt x="0" y="120000"/>
-                </a:lnTo>
-                <a:close/>
-              </a:path>
-            </a:pathLst>
-          </a:custGeom>
-        </p:spPr>
-      </p:sp>
-    </p:spTree>
-  </p:cSld>
-  <p:clrMapOvr>
-    <a:masterClrMapping/>
-  </p:clrMapOvr>
-</p:notes>
-</file>
-
-<file path=ppt/notesSlides/notesSlide21.xml><?xml version="1.0" encoding="utf-8"?>
-<p:notes xmlns:a="http://schemas.openxmlformats.org/drawingml/2006/main" xmlns:r="http://schemas.openxmlformats.org/officeDocument/2006/relationships" xmlns:p="http://schemas.openxmlformats.org/presentationml/2006/main" showMasterSp="0" showMasterPhAnim="0">
-  <p:cSld>
-    <p:spTree>
-      <p:nvGrpSpPr>
-        <p:cNvPr id="1" name="Shape 363"/>
-        <p:cNvGrpSpPr/>
-        <p:nvPr/>
-      </p:nvGrpSpPr>
-      <p:grpSpPr>
-        <a:xfrm>
-          <a:off x="0" y="0"/>
-          <a:ext cx="0" cy="0"/>
-          <a:chOff x="0" y="0"/>
-          <a:chExt cx="0" cy="0"/>
-        </a:xfrm>
-      </p:grpSpPr>
-      <p:sp>
-        <p:nvSpPr>
-          <p:cNvPr id="364" name="Google Shape;364;p22:notes"/>
-          <p:cNvSpPr txBox="1">
-            <a:spLocks noGrp="1"/>
-          </p:cNvSpPr>
-          <p:nvPr>
-            <p:ph type="body" idx="1"/>
-          </p:nvPr>
-        </p:nvSpPr>
-        <p:spPr>
-          <a:xfrm>
-            <a:off x="685800" y="4343400"/>
-            <a:ext cx="5486400" cy="4114800"/>
-          </a:xfrm>
-          <a:prstGeom prst="rect">
-            <a:avLst/>
-          </a:prstGeom>
-        </p:spPr>
-        <p:txBody>
-          <a:bodyPr spcFirstLastPara="1" wrap="square" lIns="91425" tIns="91425" rIns="91425" bIns="91425" anchor="t" anchorCtr="0">
-            <a:noAutofit/>
-          </a:bodyPr>
-          <a:lstStyle/>
-          <a:p>
-            <a:pPr marL="0" lvl="0" indent="0" algn="l" rtl="0">
-              <a:spcBef>
-                <a:spcPts val="0"/>
-              </a:spcBef>
-              <a:spcAft>
-                <a:spcPts val="0"/>
-              </a:spcAft>
-              <a:buNone/>
-            </a:pPr>
-            <a:endParaRPr/>
-          </a:p>
-        </p:txBody>
-      </p:sp>
-      <p:sp>
-        <p:nvSpPr>
-          <p:cNvPr id="365" name="Google Shape;365;p22:notes"/>
-          <p:cNvSpPr>
-            <a:spLocks noGrp="1" noRot="1" noChangeAspect="1"/>
-          </p:cNvSpPr>
-          <p:nvPr>
-            <p:ph type="sldImg" idx="2"/>
-          </p:nvPr>
-        </p:nvSpPr>
-        <p:spPr>
-          <a:xfrm>
-            <a:off x="381000" y="685800"/>
-            <a:ext cx="6096000" cy="3429000"/>
-          </a:xfrm>
-          <a:custGeom>
-            <a:avLst/>
-            <a:gdLst/>
-            <a:ahLst/>
-            <a:cxnLst/>
-            <a:rect l="l" t="t" r="r" b="b"/>
-            <a:pathLst>
-              <a:path w="120000" h="120000" extrusionOk="0">
-                <a:moveTo>
-                  <a:pt x="0" y="0"/>
-                </a:moveTo>
-                <a:lnTo>
-                  <a:pt x="120000" y="0"/>
-                </a:lnTo>
-                <a:lnTo>
-                  <a:pt x="120000" y="120000"/>
-                </a:lnTo>
-                <a:lnTo>
-                  <a:pt x="0" y="120000"/>
-                </a:lnTo>
-                <a:close/>
-              </a:path>
-            </a:pathLst>
-          </a:custGeom>
-        </p:spPr>
       </p:sp>
     </p:spTree>
   </p:cSld>
@@ -19234,765 +18919,6 @@
   <p:cSld>
     <p:spTree>
       <p:nvGrpSpPr>
-        <p:cNvPr id="1" name="Shape 315"/>
-        <p:cNvGrpSpPr/>
-        <p:nvPr/>
-      </p:nvGrpSpPr>
-      <p:grpSpPr>
-        <a:xfrm>
-          <a:off x="0" y="0"/>
-          <a:ext cx="0" cy="0"/>
-          <a:chOff x="0" y="0"/>
-          <a:chExt cx="0" cy="0"/>
-        </a:xfrm>
-      </p:grpSpPr>
-      <p:sp>
-        <p:nvSpPr>
-          <p:cNvPr id="316" name="Google Shape;316;p25"/>
-          <p:cNvSpPr txBox="1">
-            <a:spLocks noGrp="1"/>
-          </p:cNvSpPr>
-          <p:nvPr>
-            <p:ph type="title"/>
-          </p:nvPr>
-        </p:nvSpPr>
-        <p:spPr>
-          <a:xfrm>
-            <a:off x="1297500" y="393750"/>
-            <a:ext cx="7038900" cy="914100"/>
-          </a:xfrm>
-          <a:prstGeom prst="rect">
-            <a:avLst/>
-          </a:prstGeom>
-          <a:noFill/>
-          <a:ln>
-            <a:noFill/>
-          </a:ln>
-        </p:spPr>
-        <p:txBody>
-          <a:bodyPr spcFirstLastPara="1" wrap="square" lIns="91425" tIns="91425" rIns="91425" bIns="91425" anchor="t" anchorCtr="0">
-            <a:noAutofit/>
-          </a:bodyPr>
-          <a:lstStyle/>
-          <a:p>
-            <a:pPr marL="0" lvl="0" indent="0" algn="l" rtl="0">
-              <a:lnSpc>
-                <a:spcPct val="100000"/>
-              </a:lnSpc>
-              <a:spcBef>
-                <a:spcPts val="0"/>
-              </a:spcBef>
-              <a:spcAft>
-                <a:spcPts val="0"/>
-              </a:spcAft>
-              <a:buSzPts val="2400"/>
-              <a:buNone/>
-            </a:pPr>
-            <a:r>
-              <a:rPr lang="en"/>
-              <a:t>TESTING</a:t>
-            </a:r>
-            <a:endParaRPr/>
-          </a:p>
-        </p:txBody>
-      </p:sp>
-      <p:sp>
-        <p:nvSpPr>
-          <p:cNvPr id="317" name="Google Shape;317;p25"/>
-          <p:cNvSpPr txBox="1">
-            <a:spLocks noGrp="1"/>
-          </p:cNvSpPr>
-          <p:nvPr>
-            <p:ph type="body" idx="1"/>
-          </p:nvPr>
-        </p:nvSpPr>
-        <p:spPr>
-          <a:xfrm>
-            <a:off x="1297500" y="1567550"/>
-            <a:ext cx="7038900" cy="2911200"/>
-          </a:xfrm>
-          <a:prstGeom prst="rect">
-            <a:avLst/>
-          </a:prstGeom>
-          <a:noFill/>
-          <a:ln>
-            <a:noFill/>
-          </a:ln>
-        </p:spPr>
-        <p:txBody>
-          <a:bodyPr spcFirstLastPara="1" wrap="square" lIns="91425" tIns="91425" rIns="91425" bIns="91425" anchor="t" anchorCtr="0">
-            <a:noAutofit/>
-          </a:bodyPr>
-          <a:lstStyle/>
-          <a:p>
-            <a:pPr marL="146050" lvl="0" indent="0" algn="l" rtl="0">
-              <a:lnSpc>
-                <a:spcPct val="115000"/>
-              </a:lnSpc>
-              <a:spcBef>
-                <a:spcPts val="0"/>
-              </a:spcBef>
-              <a:spcAft>
-                <a:spcPts val="0"/>
-              </a:spcAft>
-              <a:buSzPts val="1300"/>
-              <a:buNone/>
-            </a:pPr>
-            <a:r>
-              <a:rPr lang="en" b="1"/>
-              <a:t>PROGRAM TESTING :</a:t>
-            </a:r>
-            <a:endParaRPr/>
-          </a:p>
-          <a:p>
-            <a:pPr marL="146050" lvl="0" indent="0" algn="l" rtl="0">
-              <a:lnSpc>
-                <a:spcPct val="115000"/>
-              </a:lnSpc>
-              <a:spcBef>
-                <a:spcPts val="0"/>
-              </a:spcBef>
-              <a:spcAft>
-                <a:spcPts val="0"/>
-              </a:spcAft>
-              <a:buSzPts val="1300"/>
-              <a:buNone/>
-            </a:pPr>
-            <a:endParaRPr b="1"/>
-          </a:p>
-          <a:p>
-            <a:pPr marL="457200" lvl="0" indent="-311150" algn="l" rtl="0">
-              <a:lnSpc>
-                <a:spcPct val="115000"/>
-              </a:lnSpc>
-              <a:spcBef>
-                <a:spcPts val="0"/>
-              </a:spcBef>
-              <a:spcAft>
-                <a:spcPts val="0"/>
-              </a:spcAft>
-              <a:buSzPts val="1300"/>
-              <a:buChar char="●"/>
-            </a:pPr>
-            <a:r>
-              <a:rPr lang="en" sz="1400">
-                <a:solidFill>
-                  <a:schemeClr val="lt1"/>
-                </a:solidFill>
-                <a:latin typeface="Lato"/>
-                <a:ea typeface="Lato"/>
-                <a:cs typeface="Lato"/>
-                <a:sym typeface="Lato"/>
-              </a:rPr>
-              <a:t>         The logical and syntax errors have been pointed out by program testing. </a:t>
-            </a:r>
-            <a:endParaRPr/>
-          </a:p>
-          <a:p>
-            <a:pPr marL="457200" lvl="0" indent="-311150" algn="l" rtl="0">
-              <a:lnSpc>
-                <a:spcPct val="115000"/>
-              </a:lnSpc>
-              <a:spcBef>
-                <a:spcPts val="0"/>
-              </a:spcBef>
-              <a:spcAft>
-                <a:spcPts val="0"/>
-              </a:spcAft>
-              <a:buSzPts val="1300"/>
-              <a:buChar char="●"/>
-            </a:pPr>
-            <a:r>
-              <a:rPr lang="en" sz="1400">
-                <a:solidFill>
-                  <a:schemeClr val="lt1"/>
-                </a:solidFill>
-                <a:latin typeface="Lato"/>
-                <a:ea typeface="Lato"/>
-                <a:cs typeface="Lato"/>
-                <a:sym typeface="Lato"/>
-              </a:rPr>
-              <a:t>         A syntax error is an error in a program statement that in violates one or more            rules of the language in which it is written. </a:t>
-            </a:r>
-            <a:endParaRPr/>
-          </a:p>
-          <a:p>
-            <a:pPr marL="457200" lvl="0" indent="-311150" algn="l" rtl="0">
-              <a:lnSpc>
-                <a:spcPct val="115000"/>
-              </a:lnSpc>
-              <a:spcBef>
-                <a:spcPts val="0"/>
-              </a:spcBef>
-              <a:spcAft>
-                <a:spcPts val="0"/>
-              </a:spcAft>
-              <a:buSzPts val="1300"/>
-              <a:buChar char="●"/>
-            </a:pPr>
-            <a:r>
-              <a:rPr lang="en" sz="1400">
-                <a:solidFill>
-                  <a:schemeClr val="lt1"/>
-                </a:solidFill>
-                <a:latin typeface="Lato"/>
-                <a:ea typeface="Lato"/>
-                <a:cs typeface="Lato"/>
-                <a:sym typeface="Lato"/>
-              </a:rPr>
-              <a:t>         An improperly defined field dimension or omitted keywords are common syntax error. </a:t>
-            </a:r>
-            <a:endParaRPr/>
-          </a:p>
-          <a:p>
-            <a:pPr marL="457200" lvl="0" indent="-311150" algn="l" rtl="0">
-              <a:lnSpc>
-                <a:spcPct val="115000"/>
-              </a:lnSpc>
-              <a:spcBef>
-                <a:spcPts val="0"/>
-              </a:spcBef>
-              <a:spcAft>
-                <a:spcPts val="0"/>
-              </a:spcAft>
-              <a:buSzPts val="1300"/>
-              <a:buChar char="●"/>
-            </a:pPr>
-            <a:r>
-              <a:rPr lang="en" sz="1400">
-                <a:solidFill>
-                  <a:schemeClr val="lt1"/>
-                </a:solidFill>
-                <a:latin typeface="Lato"/>
-                <a:ea typeface="Lato"/>
-                <a:cs typeface="Lato"/>
-                <a:sym typeface="Lato"/>
-              </a:rPr>
-              <a:t>         These errors are shown through error messages generated by the computer</a:t>
-            </a:r>
-            <a:r>
-              <a:rPr lang="en" sz="1800">
-                <a:solidFill>
-                  <a:srgbClr val="000000"/>
-                </a:solidFill>
-                <a:latin typeface="Times New Roman"/>
-                <a:ea typeface="Times New Roman"/>
-                <a:cs typeface="Times New Roman"/>
-                <a:sym typeface="Times New Roman"/>
-              </a:rPr>
-              <a:t>. </a:t>
-            </a:r>
-            <a:endParaRPr/>
-          </a:p>
-        </p:txBody>
-      </p:sp>
-    </p:spTree>
-  </p:cSld>
-  <p:clrMapOvr>
-    <a:masterClrMapping/>
-  </p:clrMapOvr>
-</p:sld>
-</file>
-
-<file path=ppt/slides/slide14.xml><?xml version="1.0" encoding="utf-8"?>
-<p:sld xmlns:a="http://schemas.openxmlformats.org/drawingml/2006/main" xmlns:r="http://schemas.openxmlformats.org/officeDocument/2006/relationships" xmlns:p="http://schemas.openxmlformats.org/presentationml/2006/main">
-  <p:cSld>
-    <p:spTree>
-      <p:nvGrpSpPr>
-        <p:cNvPr id="1" name="Shape 321"/>
-        <p:cNvGrpSpPr/>
-        <p:nvPr/>
-      </p:nvGrpSpPr>
-      <p:grpSpPr>
-        <a:xfrm>
-          <a:off x="0" y="0"/>
-          <a:ext cx="0" cy="0"/>
-          <a:chOff x="0" y="0"/>
-          <a:chExt cx="0" cy="0"/>
-        </a:xfrm>
-      </p:grpSpPr>
-      <p:sp>
-        <p:nvSpPr>
-          <p:cNvPr id="322" name="Google Shape;322;p26"/>
-          <p:cNvSpPr txBox="1">
-            <a:spLocks noGrp="1"/>
-          </p:cNvSpPr>
-          <p:nvPr>
-            <p:ph type="title"/>
-          </p:nvPr>
-        </p:nvSpPr>
-        <p:spPr>
-          <a:xfrm>
-            <a:off x="1297500" y="393750"/>
-            <a:ext cx="7038900" cy="914100"/>
-          </a:xfrm>
-          <a:prstGeom prst="rect">
-            <a:avLst/>
-          </a:prstGeom>
-          <a:noFill/>
-          <a:ln>
-            <a:noFill/>
-          </a:ln>
-        </p:spPr>
-        <p:txBody>
-          <a:bodyPr spcFirstLastPara="1" wrap="square" lIns="91425" tIns="91425" rIns="91425" bIns="91425" anchor="t" anchorCtr="0">
-            <a:noAutofit/>
-          </a:bodyPr>
-          <a:lstStyle/>
-          <a:p>
-            <a:pPr marL="0" lvl="0" indent="0" algn="l" rtl="0">
-              <a:lnSpc>
-                <a:spcPct val="100000"/>
-              </a:lnSpc>
-              <a:spcBef>
-                <a:spcPts val="0"/>
-              </a:spcBef>
-              <a:spcAft>
-                <a:spcPts val="0"/>
-              </a:spcAft>
-              <a:buSzPts val="2400"/>
-              <a:buNone/>
-            </a:pPr>
-            <a:endParaRPr/>
-          </a:p>
-        </p:txBody>
-      </p:sp>
-      <p:sp>
-        <p:nvSpPr>
-          <p:cNvPr id="323" name="Google Shape;323;p26"/>
-          <p:cNvSpPr txBox="1">
-            <a:spLocks noGrp="1"/>
-          </p:cNvSpPr>
-          <p:nvPr>
-            <p:ph type="body" idx="1"/>
-          </p:nvPr>
-        </p:nvSpPr>
-        <p:spPr>
-          <a:xfrm>
-            <a:off x="1297500" y="1567550"/>
-            <a:ext cx="7038900" cy="2911200"/>
-          </a:xfrm>
-          <a:prstGeom prst="rect">
-            <a:avLst/>
-          </a:prstGeom>
-          <a:noFill/>
-          <a:ln>
-            <a:noFill/>
-          </a:ln>
-        </p:spPr>
-        <p:txBody>
-          <a:bodyPr spcFirstLastPara="1" wrap="square" lIns="91425" tIns="91425" rIns="91425" bIns="91425" anchor="t" anchorCtr="0">
-            <a:noAutofit/>
-          </a:bodyPr>
-          <a:lstStyle/>
-          <a:p>
-            <a:pPr marL="146050" lvl="0" indent="0" algn="l" rtl="0">
-              <a:lnSpc>
-                <a:spcPct val="115000"/>
-              </a:lnSpc>
-              <a:spcBef>
-                <a:spcPts val="0"/>
-              </a:spcBef>
-              <a:spcAft>
-                <a:spcPts val="0"/>
-              </a:spcAft>
-              <a:buSzPts val="1300"/>
-              <a:buNone/>
-            </a:pPr>
-            <a:r>
-              <a:rPr lang="en" b="1"/>
-              <a:t>SECURITY TESTING :</a:t>
-            </a:r>
-            <a:endParaRPr/>
-          </a:p>
-          <a:p>
-            <a:pPr marL="146050" lvl="0" indent="0" algn="l" rtl="0">
-              <a:lnSpc>
-                <a:spcPct val="115000"/>
-              </a:lnSpc>
-              <a:spcBef>
-                <a:spcPts val="0"/>
-              </a:spcBef>
-              <a:spcAft>
-                <a:spcPts val="0"/>
-              </a:spcAft>
-              <a:buSzPts val="1300"/>
-              <a:buNone/>
-            </a:pPr>
-            <a:endParaRPr b="1"/>
-          </a:p>
-          <a:p>
-            <a:pPr marL="457200" lvl="0" indent="-311150" algn="l" rtl="0">
-              <a:lnSpc>
-                <a:spcPct val="115000"/>
-              </a:lnSpc>
-              <a:spcBef>
-                <a:spcPts val="0"/>
-              </a:spcBef>
-              <a:spcAft>
-                <a:spcPts val="0"/>
-              </a:spcAft>
-              <a:buSzPts val="1300"/>
-              <a:buChar char="●"/>
-            </a:pPr>
-            <a:r>
-              <a:rPr lang="en" sz="1400">
-                <a:solidFill>
-                  <a:schemeClr val="lt1"/>
-                </a:solidFill>
-                <a:latin typeface="Lato"/>
-                <a:ea typeface="Lato"/>
-                <a:cs typeface="Lato"/>
-                <a:sym typeface="Lato"/>
-              </a:rPr>
-              <a:t> Security testing attempts to verify the protection mechanisms built in to a system well, in fact, protect it from improper penetration.</a:t>
-            </a:r>
-            <a:endParaRPr/>
-          </a:p>
-          <a:p>
-            <a:pPr marL="457200" lvl="0" indent="-311150" algn="l" rtl="0">
-              <a:lnSpc>
-                <a:spcPct val="115000"/>
-              </a:lnSpc>
-              <a:spcBef>
-                <a:spcPts val="0"/>
-              </a:spcBef>
-              <a:spcAft>
-                <a:spcPts val="0"/>
-              </a:spcAft>
-              <a:buSzPts val="1300"/>
-              <a:buChar char="●"/>
-            </a:pPr>
-            <a:r>
-              <a:rPr lang="en" sz="1400">
-                <a:solidFill>
-                  <a:schemeClr val="lt1"/>
-                </a:solidFill>
-                <a:latin typeface="Lato"/>
-                <a:ea typeface="Lato"/>
-                <a:cs typeface="Lato"/>
-                <a:sym typeface="Lato"/>
-              </a:rPr>
-              <a:t> The system security must be tested for invulnerability from frontal attack must also be tested for invulnerability from rear attack</a:t>
-            </a:r>
-            <a:endParaRPr/>
-          </a:p>
-          <a:p>
-            <a:pPr marL="457200" lvl="0" indent="-311150" algn="l" rtl="0">
-              <a:lnSpc>
-                <a:spcPct val="115000"/>
-              </a:lnSpc>
-              <a:spcBef>
-                <a:spcPts val="0"/>
-              </a:spcBef>
-              <a:spcAft>
-                <a:spcPts val="0"/>
-              </a:spcAft>
-              <a:buSzPts val="1300"/>
-              <a:buChar char="●"/>
-            </a:pPr>
-            <a:r>
-              <a:rPr lang="en" sz="1400">
-                <a:solidFill>
-                  <a:schemeClr val="lt1"/>
-                </a:solidFill>
-                <a:latin typeface="Lato"/>
-                <a:ea typeface="Lato"/>
-                <a:cs typeface="Lato"/>
-                <a:sym typeface="Lato"/>
-              </a:rPr>
-              <a:t> During security, the tester places the role of individual who desires to penetrate system.</a:t>
-            </a:r>
-            <a:endParaRPr sz="1400" b="1">
-              <a:solidFill>
-                <a:schemeClr val="lt1"/>
-              </a:solidFill>
-              <a:latin typeface="Lato"/>
-              <a:ea typeface="Lato"/>
-              <a:cs typeface="Lato"/>
-              <a:sym typeface="Lato"/>
-            </a:endParaRPr>
-          </a:p>
-        </p:txBody>
-      </p:sp>
-    </p:spTree>
-  </p:cSld>
-  <p:clrMapOvr>
-    <a:masterClrMapping/>
-  </p:clrMapOvr>
-</p:sld>
-</file>
-
-<file path=ppt/slides/slide15.xml><?xml version="1.0" encoding="utf-8"?>
-<p:sld xmlns:a="http://schemas.openxmlformats.org/drawingml/2006/main" xmlns:r="http://schemas.openxmlformats.org/officeDocument/2006/relationships" xmlns:p="http://schemas.openxmlformats.org/presentationml/2006/main">
-  <p:cSld>
-    <p:spTree>
-      <p:nvGrpSpPr>
-        <p:cNvPr id="1" name="Shape 327"/>
-        <p:cNvGrpSpPr/>
-        <p:nvPr/>
-      </p:nvGrpSpPr>
-      <p:grpSpPr>
-        <a:xfrm>
-          <a:off x="0" y="0"/>
-          <a:ext cx="0" cy="0"/>
-          <a:chOff x="0" y="0"/>
-          <a:chExt cx="0" cy="0"/>
-        </a:xfrm>
-      </p:grpSpPr>
-      <p:sp>
-        <p:nvSpPr>
-          <p:cNvPr id="328" name="Google Shape;328;p27"/>
-          <p:cNvSpPr txBox="1">
-            <a:spLocks noGrp="1"/>
-          </p:cNvSpPr>
-          <p:nvPr>
-            <p:ph type="title"/>
-          </p:nvPr>
-        </p:nvSpPr>
-        <p:spPr>
-          <a:xfrm>
-            <a:off x="1297500" y="1422450"/>
-            <a:ext cx="7038900" cy="914100"/>
-          </a:xfrm>
-          <a:prstGeom prst="rect">
-            <a:avLst/>
-          </a:prstGeom>
-          <a:noFill/>
-          <a:ln>
-            <a:noFill/>
-          </a:ln>
-        </p:spPr>
-        <p:txBody>
-          <a:bodyPr spcFirstLastPara="1" wrap="square" lIns="91425" tIns="91425" rIns="91425" bIns="91425" anchor="t" anchorCtr="0">
-            <a:noAutofit/>
-          </a:bodyPr>
-          <a:lstStyle/>
-          <a:p>
-            <a:pPr marL="0" lvl="0" indent="0" algn="l" rtl="0">
-              <a:lnSpc>
-                <a:spcPct val="100000"/>
-              </a:lnSpc>
-              <a:spcBef>
-                <a:spcPts val="0"/>
-              </a:spcBef>
-              <a:spcAft>
-                <a:spcPts val="0"/>
-              </a:spcAft>
-              <a:buSzPts val="2400"/>
-              <a:buNone/>
-            </a:pPr>
-            <a:r>
-              <a:rPr lang="en" sz="1400">
-                <a:latin typeface="Lato"/>
-                <a:ea typeface="Lato"/>
-                <a:cs typeface="Lato"/>
-                <a:sym typeface="Lato"/>
-              </a:rPr>
-              <a:t>VALIDATION TESTING :</a:t>
-            </a:r>
-            <a:endParaRPr sz="1400">
-              <a:latin typeface="Lato"/>
-              <a:ea typeface="Lato"/>
-              <a:cs typeface="Lato"/>
-              <a:sym typeface="Lato"/>
-            </a:endParaRPr>
-          </a:p>
-        </p:txBody>
-      </p:sp>
-      <p:sp>
-        <p:nvSpPr>
-          <p:cNvPr id="329" name="Google Shape;329;p27"/>
-          <p:cNvSpPr txBox="1">
-            <a:spLocks noGrp="1"/>
-          </p:cNvSpPr>
-          <p:nvPr>
-            <p:ph type="body" idx="1"/>
-          </p:nvPr>
-        </p:nvSpPr>
-        <p:spPr>
-          <a:xfrm>
-            <a:off x="1297500" y="1567550"/>
-            <a:ext cx="7038900" cy="2911200"/>
-          </a:xfrm>
-          <a:prstGeom prst="rect">
-            <a:avLst/>
-          </a:prstGeom>
-          <a:noFill/>
-          <a:ln>
-            <a:noFill/>
-          </a:ln>
-        </p:spPr>
-        <p:txBody>
-          <a:bodyPr spcFirstLastPara="1" wrap="square" lIns="91425" tIns="91425" rIns="91425" bIns="91425" anchor="t" anchorCtr="0">
-            <a:noAutofit/>
-          </a:bodyPr>
-          <a:lstStyle/>
-          <a:p>
-            <a:pPr marL="914400" lvl="0" indent="0" algn="ctr" rtl="0">
-              <a:lnSpc>
-                <a:spcPct val="115000"/>
-              </a:lnSpc>
-              <a:spcBef>
-                <a:spcPts val="0"/>
-              </a:spcBef>
-              <a:spcAft>
-                <a:spcPts val="0"/>
-              </a:spcAft>
-              <a:buSzPts val="1300"/>
-              <a:buNone/>
-            </a:pPr>
-            <a:r>
-              <a:rPr lang="en" sz="1800">
-                <a:latin typeface="Times New Roman"/>
-                <a:ea typeface="Times New Roman"/>
-                <a:cs typeface="Times New Roman"/>
-                <a:sym typeface="Times New Roman"/>
-              </a:rPr>
-              <a:t> </a:t>
-            </a:r>
-            <a:endParaRPr sz="1800">
-              <a:latin typeface="Times New Roman"/>
-              <a:ea typeface="Times New Roman"/>
-              <a:cs typeface="Times New Roman"/>
-              <a:sym typeface="Times New Roman"/>
-            </a:endParaRPr>
-          </a:p>
-          <a:p>
-            <a:pPr marL="457200" lvl="0" indent="-311150" algn="l" rtl="0">
-              <a:lnSpc>
-                <a:spcPct val="115000"/>
-              </a:lnSpc>
-              <a:spcBef>
-                <a:spcPts val="0"/>
-              </a:spcBef>
-              <a:spcAft>
-                <a:spcPts val="0"/>
-              </a:spcAft>
-              <a:buSzPts val="1300"/>
-              <a:buChar char="●"/>
-            </a:pPr>
-            <a:r>
-              <a:rPr lang="en" sz="1800">
-                <a:solidFill>
-                  <a:srgbClr val="000000"/>
-                </a:solidFill>
-                <a:latin typeface="Times New Roman"/>
-                <a:ea typeface="Times New Roman"/>
-                <a:cs typeface="Times New Roman"/>
-                <a:sym typeface="Times New Roman"/>
-              </a:rPr>
-              <a:t>      </a:t>
-            </a:r>
-            <a:r>
-              <a:rPr lang="en" sz="1400">
-                <a:solidFill>
-                  <a:schemeClr val="lt1"/>
-                </a:solidFill>
-                <a:latin typeface="Lato"/>
-                <a:ea typeface="Lato"/>
-                <a:cs typeface="Lato"/>
-                <a:sym typeface="Lato"/>
-              </a:rPr>
-              <a:t>At the culmination of integration testing, software is completely  assembled as a package.</a:t>
-            </a:r>
-            <a:endParaRPr/>
-          </a:p>
-          <a:p>
-            <a:pPr marL="457200" lvl="0" indent="-311150" algn="l" rtl="0">
-              <a:lnSpc>
-                <a:spcPct val="115000"/>
-              </a:lnSpc>
-              <a:spcBef>
-                <a:spcPts val="0"/>
-              </a:spcBef>
-              <a:spcAft>
-                <a:spcPts val="0"/>
-              </a:spcAft>
-              <a:buSzPts val="1300"/>
-              <a:buChar char="●"/>
-            </a:pPr>
-            <a:r>
-              <a:rPr lang="en" sz="1400">
-                <a:solidFill>
-                  <a:schemeClr val="lt1"/>
-                </a:solidFill>
-                <a:latin typeface="Lato"/>
-                <a:ea typeface="Lato"/>
-                <a:cs typeface="Lato"/>
-                <a:sym typeface="Lato"/>
-              </a:rPr>
-              <a:t>         Interfacing errors have been uncovered and corrected and a final series of software test-validation testing  begins. </a:t>
-            </a:r>
-            <a:endParaRPr/>
-          </a:p>
-          <a:p>
-            <a:pPr marL="457200" lvl="0" indent="-311150" algn="l" rtl="0">
-              <a:lnSpc>
-                <a:spcPct val="115000"/>
-              </a:lnSpc>
-              <a:spcBef>
-                <a:spcPts val="0"/>
-              </a:spcBef>
-              <a:spcAft>
-                <a:spcPts val="0"/>
-              </a:spcAft>
-              <a:buSzPts val="1300"/>
-              <a:buChar char="●"/>
-            </a:pPr>
-            <a:r>
-              <a:rPr lang="en" sz="1400">
-                <a:solidFill>
-                  <a:schemeClr val="lt1"/>
-                </a:solidFill>
-                <a:latin typeface="Lato"/>
-                <a:ea typeface="Lato"/>
-                <a:cs typeface="Lato"/>
-                <a:sym typeface="Lato"/>
-              </a:rPr>
-              <a:t>         Validation testing can be defined in many ways, but a simple definition is that validation succeeds when the software functions in manner that is reasonably expected by the </a:t>
-            </a:r>
-            <a:r>
-              <a:rPr lang="en" sz="1400"/>
-              <a:t>administrator</a:t>
-            </a:r>
-            <a:r>
-              <a:rPr lang="en" sz="1400">
-                <a:solidFill>
-                  <a:schemeClr val="lt1"/>
-                </a:solidFill>
-                <a:latin typeface="Lato"/>
-                <a:ea typeface="Lato"/>
-                <a:cs typeface="Lato"/>
-                <a:sym typeface="Lato"/>
-              </a:rPr>
-              <a:t>. </a:t>
-            </a:r>
-            <a:endParaRPr sz="1400">
-              <a:solidFill>
-                <a:schemeClr val="lt1"/>
-              </a:solidFill>
-              <a:latin typeface="Lato"/>
-              <a:ea typeface="Lato"/>
-              <a:cs typeface="Lato"/>
-              <a:sym typeface="Lato"/>
-            </a:endParaRPr>
-          </a:p>
-        </p:txBody>
-      </p:sp>
-    </p:spTree>
-  </p:cSld>
-  <p:clrMapOvr>
-    <a:masterClrMapping/>
-  </p:clrMapOvr>
-</p:sld>
-</file>
-
-<file path=ppt/slides/slide16.xml><?xml version="1.0" encoding="utf-8"?>
-<p:sld xmlns:a="http://schemas.openxmlformats.org/drawingml/2006/main" xmlns:r="http://schemas.openxmlformats.org/officeDocument/2006/relationships" xmlns:p="http://schemas.openxmlformats.org/presentationml/2006/main">
-  <p:cSld>
-    <p:spTree>
-      <p:nvGrpSpPr>
         <p:cNvPr id="1" name=""/>
         <p:cNvGrpSpPr/>
         <p:nvPr/>
@@ -20077,7 +19003,7 @@
 </p:sld>
 </file>
 
-<file path=ppt/slides/slide17.xml><?xml version="1.0" encoding="utf-8"?>
+<file path=ppt/slides/slide14.xml><?xml version="1.0" encoding="utf-8"?>
 <p:sld xmlns:a="http://schemas.openxmlformats.org/drawingml/2006/main" xmlns:r="http://schemas.openxmlformats.org/officeDocument/2006/relationships" xmlns:p="http://schemas.openxmlformats.org/presentationml/2006/main">
   <p:cSld>
     <p:spTree>
@@ -20137,7 +19063,7 @@
 </p:sld>
 </file>
 
-<file path=ppt/slides/slide18.xml><?xml version="1.0" encoding="utf-8"?>
+<file path=ppt/slides/slide15.xml><?xml version="1.0" encoding="utf-8"?>
 <p:sld xmlns:a="http://schemas.openxmlformats.org/drawingml/2006/main" xmlns:r="http://schemas.openxmlformats.org/officeDocument/2006/relationships" xmlns:p="http://schemas.openxmlformats.org/presentationml/2006/main">
   <p:cSld>
     <p:spTree>
@@ -20276,7 +19202,7 @@
 </p:sld>
 </file>
 
-<file path=ppt/slides/slide19.xml><?xml version="1.0" encoding="utf-8"?>
+<file path=ppt/slides/slide16.xml><?xml version="1.0" encoding="utf-8"?>
 <p:sld xmlns:a="http://schemas.openxmlformats.org/drawingml/2006/main" xmlns:r="http://schemas.openxmlformats.org/officeDocument/2006/relationships" xmlns:p="http://schemas.openxmlformats.org/presentationml/2006/main">
   <p:cSld>
     <p:spTree>
@@ -20363,6 +19289,658 @@
           </a:ln>
         </p:spPr>
       </p:pic>
+    </p:spTree>
+  </p:cSld>
+  <p:clrMapOvr>
+    <a:masterClrMapping/>
+  </p:clrMapOvr>
+</p:sld>
+</file>
+
+<file path=ppt/slides/slide17.xml><?xml version="1.0" encoding="utf-8"?>
+<p:sld xmlns:a="http://schemas.openxmlformats.org/drawingml/2006/main" xmlns:r="http://schemas.openxmlformats.org/officeDocument/2006/relationships" xmlns:p="http://schemas.openxmlformats.org/presentationml/2006/main">
+  <p:cSld>
+    <p:spTree>
+      <p:nvGrpSpPr>
+        <p:cNvPr id="1" name="Shape 347"/>
+        <p:cNvGrpSpPr/>
+        <p:nvPr/>
+      </p:nvGrpSpPr>
+      <p:grpSpPr>
+        <a:xfrm>
+          <a:off x="0" y="0"/>
+          <a:ext cx="0" cy="0"/>
+          <a:chOff x="0" y="0"/>
+          <a:chExt cx="0" cy="0"/>
+        </a:xfrm>
+      </p:grpSpPr>
+      <p:sp>
+        <p:nvSpPr>
+          <p:cNvPr id="348" name="Google Shape;348;p30"/>
+          <p:cNvSpPr txBox="1">
+            <a:spLocks noGrp="1"/>
+          </p:cNvSpPr>
+          <p:nvPr>
+            <p:ph type="title"/>
+          </p:nvPr>
+        </p:nvSpPr>
+        <p:spPr>
+          <a:xfrm>
+            <a:off x="1297500" y="393750"/>
+            <a:ext cx="7038900" cy="914100"/>
+          </a:xfrm>
+          <a:prstGeom prst="rect">
+            <a:avLst/>
+          </a:prstGeom>
+        </p:spPr>
+        <p:txBody>
+          <a:bodyPr spcFirstLastPara="1" wrap="square" lIns="91425" tIns="91425" rIns="91425" bIns="91425" anchor="t" anchorCtr="0">
+            <a:noAutofit/>
+          </a:bodyPr>
+          <a:lstStyle/>
+          <a:p>
+            <a:pPr marL="0" lvl="0" indent="0" algn="l" rtl="0">
+              <a:spcBef>
+                <a:spcPts val="0"/>
+              </a:spcBef>
+              <a:spcAft>
+                <a:spcPts val="0"/>
+              </a:spcAft>
+              <a:buNone/>
+            </a:pPr>
+            <a:r>
+              <a:rPr lang="en" sz="1600" dirty="0"/>
+              <a:t>3.If found,it will send the alert through telegram</a:t>
+            </a:r>
+            <a:endParaRPr sz="1600" dirty="0"/>
+          </a:p>
+        </p:txBody>
+      </p:sp>
+      <p:pic>
+        <p:nvPicPr>
+          <p:cNvPr id="350" name="Google Shape;350;p30"/>
+          <p:cNvPicPr preferRelativeResize="0"/>
+          <p:nvPr/>
+        </p:nvPicPr>
+        <p:blipFill>
+          <a:blip r:embed="rId3">
+            <a:alphaModFix/>
+          </a:blip>
+          <a:stretch>
+            <a:fillRect/>
+          </a:stretch>
+        </p:blipFill>
+        <p:spPr>
+          <a:xfrm>
+            <a:off x="2770100" y="1036950"/>
+            <a:ext cx="3972400" cy="3972400"/>
+          </a:xfrm>
+          <a:prstGeom prst="rect">
+            <a:avLst/>
+          </a:prstGeom>
+          <a:noFill/>
+          <a:ln>
+            <a:noFill/>
+          </a:ln>
+        </p:spPr>
+      </p:pic>
+    </p:spTree>
+  </p:cSld>
+  <p:clrMapOvr>
+    <a:masterClrMapping/>
+  </p:clrMapOvr>
+</p:sld>
+</file>
+
+<file path=ppt/slides/slide18.xml><?xml version="1.0" encoding="utf-8"?>
+<p:sld xmlns:a="http://schemas.openxmlformats.org/drawingml/2006/main" xmlns:r="http://schemas.openxmlformats.org/officeDocument/2006/relationships" xmlns:p="http://schemas.openxmlformats.org/presentationml/2006/main">
+  <p:cSld>
+    <p:spTree>
+      <p:nvGrpSpPr>
+        <p:cNvPr id="1" name="Shape 354"/>
+        <p:cNvGrpSpPr/>
+        <p:nvPr/>
+      </p:nvGrpSpPr>
+      <p:grpSpPr>
+        <a:xfrm>
+          <a:off x="0" y="0"/>
+          <a:ext cx="0" cy="0"/>
+          <a:chOff x="0" y="0"/>
+          <a:chExt cx="0" cy="0"/>
+        </a:xfrm>
+      </p:grpSpPr>
+      <p:sp>
+        <p:nvSpPr>
+          <p:cNvPr id="355" name="Google Shape;355;p31"/>
+          <p:cNvSpPr txBox="1">
+            <a:spLocks noGrp="1"/>
+          </p:cNvSpPr>
+          <p:nvPr>
+            <p:ph type="title"/>
+          </p:nvPr>
+        </p:nvSpPr>
+        <p:spPr>
+          <a:xfrm>
+            <a:off x="1297500" y="393750"/>
+            <a:ext cx="7038900" cy="914100"/>
+          </a:xfrm>
+          <a:prstGeom prst="rect">
+            <a:avLst/>
+          </a:prstGeom>
+          <a:noFill/>
+          <a:ln>
+            <a:noFill/>
+          </a:ln>
+        </p:spPr>
+        <p:txBody>
+          <a:bodyPr spcFirstLastPara="1" wrap="square" lIns="91425" tIns="91425" rIns="91425" bIns="91425" anchor="t" anchorCtr="0">
+            <a:noAutofit/>
+          </a:bodyPr>
+          <a:lstStyle/>
+          <a:p>
+            <a:pPr marL="0" lvl="0" indent="0" algn="l" rtl="0">
+              <a:lnSpc>
+                <a:spcPct val="100000"/>
+              </a:lnSpc>
+              <a:spcBef>
+                <a:spcPts val="0"/>
+              </a:spcBef>
+              <a:spcAft>
+                <a:spcPts val="0"/>
+              </a:spcAft>
+              <a:buSzPts val="2400"/>
+              <a:buNone/>
+            </a:pPr>
+            <a:r>
+              <a:rPr lang="en"/>
+              <a:t>CONCLUSION</a:t>
+            </a:r>
+            <a:endParaRPr/>
+          </a:p>
+        </p:txBody>
+      </p:sp>
+      <p:sp>
+        <p:nvSpPr>
+          <p:cNvPr id="356" name="Google Shape;356;p31"/>
+          <p:cNvSpPr txBox="1">
+            <a:spLocks noGrp="1"/>
+          </p:cNvSpPr>
+          <p:nvPr>
+            <p:ph type="body" idx="1"/>
+          </p:nvPr>
+        </p:nvSpPr>
+        <p:spPr>
+          <a:xfrm>
+            <a:off x="1297500" y="1567550"/>
+            <a:ext cx="7038900" cy="2911200"/>
+          </a:xfrm>
+          <a:prstGeom prst="rect">
+            <a:avLst/>
+          </a:prstGeom>
+          <a:noFill/>
+          <a:ln>
+            <a:noFill/>
+          </a:ln>
+        </p:spPr>
+        <p:txBody>
+          <a:bodyPr spcFirstLastPara="1" wrap="square" lIns="91425" tIns="91425" rIns="91425" bIns="91425" anchor="t" anchorCtr="0">
+            <a:noAutofit/>
+          </a:bodyPr>
+          <a:lstStyle/>
+          <a:p>
+            <a:pPr marL="457200" lvl="0" indent="-311150" algn="l" rtl="0">
+              <a:lnSpc>
+                <a:spcPct val="115000"/>
+              </a:lnSpc>
+              <a:spcBef>
+                <a:spcPts val="0"/>
+              </a:spcBef>
+              <a:spcAft>
+                <a:spcPts val="0"/>
+              </a:spcAft>
+              <a:buSzPts val="1300"/>
+              <a:buChar char="●"/>
+            </a:pPr>
+            <a:r>
+              <a:rPr lang="en" sz="1400" dirty="0">
+                <a:latin typeface="Times New Roman"/>
+                <a:ea typeface="Times New Roman"/>
+                <a:cs typeface="Times New Roman"/>
+                <a:sym typeface="Times New Roman"/>
+              </a:rPr>
+              <a:t>This project is used to implement the face recognition and surveillance. </a:t>
+            </a:r>
+            <a:endParaRPr dirty="0"/>
+          </a:p>
+          <a:p>
+            <a:pPr marL="457200" lvl="0" indent="-311150" algn="l" rtl="0">
+              <a:lnSpc>
+                <a:spcPct val="115000"/>
+              </a:lnSpc>
+              <a:spcBef>
+                <a:spcPts val="0"/>
+              </a:spcBef>
+              <a:spcAft>
+                <a:spcPts val="0"/>
+              </a:spcAft>
+              <a:buSzPts val="1300"/>
+              <a:buChar char="●"/>
+            </a:pPr>
+            <a:r>
+              <a:rPr lang="en" sz="1400" dirty="0">
+                <a:latin typeface="Times New Roman"/>
+                <a:ea typeface="Times New Roman"/>
+                <a:cs typeface="Times New Roman"/>
+                <a:sym typeface="Times New Roman"/>
+              </a:rPr>
+              <a:t>Face recognition nowadays has been widely used on many areas, can be improved with the implement of this product. </a:t>
+            </a:r>
+            <a:endParaRPr dirty="0"/>
+          </a:p>
+          <a:p>
+            <a:pPr marL="457200" lvl="0" indent="-311150" algn="l" rtl="0">
+              <a:lnSpc>
+                <a:spcPct val="115000"/>
+              </a:lnSpc>
+              <a:spcBef>
+                <a:spcPts val="0"/>
+              </a:spcBef>
+              <a:spcAft>
+                <a:spcPts val="0"/>
+              </a:spcAft>
+              <a:buSzPts val="1300"/>
+              <a:buChar char="●"/>
+            </a:pPr>
+            <a:r>
+              <a:rPr lang="en" sz="1400" dirty="0">
+                <a:latin typeface="Times New Roman"/>
+                <a:ea typeface="Times New Roman"/>
+                <a:cs typeface="Times New Roman"/>
+                <a:sym typeface="Times New Roman"/>
+              </a:rPr>
+              <a:t>It is design with low cost and efficient material. </a:t>
+            </a:r>
+            <a:endParaRPr dirty="0"/>
+          </a:p>
+          <a:p>
+            <a:pPr marL="457200" lvl="0" indent="-311150" algn="l" rtl="0">
+              <a:lnSpc>
+                <a:spcPct val="115000"/>
+              </a:lnSpc>
+              <a:spcBef>
+                <a:spcPts val="0"/>
+              </a:spcBef>
+              <a:spcAft>
+                <a:spcPts val="0"/>
+              </a:spcAft>
+              <a:buSzPts val="1300"/>
+              <a:buChar char="●"/>
+            </a:pPr>
+            <a:r>
+              <a:rPr lang="en" sz="1400" dirty="0">
+                <a:latin typeface="Times New Roman"/>
+                <a:ea typeface="Times New Roman"/>
+                <a:cs typeface="Times New Roman"/>
+                <a:sym typeface="Times New Roman"/>
+              </a:rPr>
+              <a:t>The improvement of technology had made the internet of thing no longer an expensive stuff and it can be modified and customized depend on our needs. </a:t>
+            </a:r>
+            <a:endParaRPr dirty="0"/>
+          </a:p>
+        </p:txBody>
+      </p:sp>
+    </p:spTree>
+  </p:cSld>
+  <p:clrMapOvr>
+    <a:masterClrMapping/>
+  </p:clrMapOvr>
+</p:sld>
+</file>
+
+<file path=ppt/slides/slide19.xml><?xml version="1.0" encoding="utf-8"?>
+<p:sld xmlns:a="http://schemas.openxmlformats.org/drawingml/2006/main" xmlns:r="http://schemas.openxmlformats.org/officeDocument/2006/relationships" xmlns:p="http://schemas.openxmlformats.org/presentationml/2006/main">
+  <p:cSld>
+    <p:spTree>
+      <p:nvGrpSpPr>
+        <p:cNvPr id="1" name="Shape 360"/>
+        <p:cNvGrpSpPr/>
+        <p:nvPr/>
+      </p:nvGrpSpPr>
+      <p:grpSpPr>
+        <a:xfrm>
+          <a:off x="0" y="0"/>
+          <a:ext cx="0" cy="0"/>
+          <a:chOff x="0" y="0"/>
+          <a:chExt cx="0" cy="0"/>
+        </a:xfrm>
+      </p:grpSpPr>
+      <p:sp>
+        <p:nvSpPr>
+          <p:cNvPr id="361" name="Google Shape;361;p32"/>
+          <p:cNvSpPr txBox="1">
+            <a:spLocks noGrp="1"/>
+          </p:cNvSpPr>
+          <p:nvPr>
+            <p:ph type="title"/>
+          </p:nvPr>
+        </p:nvSpPr>
+        <p:spPr>
+          <a:xfrm>
+            <a:off x="1297500" y="393750"/>
+            <a:ext cx="7038900" cy="914100"/>
+          </a:xfrm>
+          <a:prstGeom prst="rect">
+            <a:avLst/>
+          </a:prstGeom>
+          <a:noFill/>
+          <a:ln>
+            <a:noFill/>
+          </a:ln>
+        </p:spPr>
+        <p:txBody>
+          <a:bodyPr spcFirstLastPara="1" wrap="square" lIns="91425" tIns="91425" rIns="91425" bIns="91425" anchor="t" anchorCtr="0">
+            <a:noAutofit/>
+          </a:bodyPr>
+          <a:lstStyle/>
+          <a:p>
+            <a:pPr marL="0" lvl="0" indent="0" algn="l" rtl="0">
+              <a:lnSpc>
+                <a:spcPct val="100000"/>
+              </a:lnSpc>
+              <a:spcBef>
+                <a:spcPts val="0"/>
+              </a:spcBef>
+              <a:spcAft>
+                <a:spcPts val="0"/>
+              </a:spcAft>
+              <a:buSzPts val="2400"/>
+              <a:buNone/>
+            </a:pPr>
+            <a:r>
+              <a:rPr lang="en"/>
+              <a:t>REFRENCE</a:t>
+            </a:r>
+            <a:endParaRPr/>
+          </a:p>
+        </p:txBody>
+      </p:sp>
+      <p:sp>
+        <p:nvSpPr>
+          <p:cNvPr id="362" name="Google Shape;362;p32"/>
+          <p:cNvSpPr txBox="1">
+            <a:spLocks noGrp="1"/>
+          </p:cNvSpPr>
+          <p:nvPr>
+            <p:ph type="body" idx="1"/>
+          </p:nvPr>
+        </p:nvSpPr>
+        <p:spPr>
+          <a:xfrm>
+            <a:off x="1190820" y="1116150"/>
+            <a:ext cx="7038900" cy="2911200"/>
+          </a:xfrm>
+          <a:prstGeom prst="rect">
+            <a:avLst/>
+          </a:prstGeom>
+          <a:noFill/>
+          <a:ln>
+            <a:noFill/>
+          </a:ln>
+        </p:spPr>
+        <p:txBody>
+          <a:bodyPr spcFirstLastPara="1" wrap="square" lIns="91425" tIns="91425" rIns="91425" bIns="91425" anchor="t" anchorCtr="0">
+            <a:noAutofit/>
+          </a:bodyPr>
+          <a:lstStyle/>
+          <a:p>
+            <a:pPr marL="457200" lvl="0" indent="-311150" algn="l" rtl="0">
+              <a:lnSpc>
+                <a:spcPct val="115000"/>
+              </a:lnSpc>
+              <a:spcBef>
+                <a:spcPts val="0"/>
+              </a:spcBef>
+              <a:spcAft>
+                <a:spcPts val="0"/>
+              </a:spcAft>
+              <a:buSzPts val="1300"/>
+              <a:buChar char="●"/>
+            </a:pPr>
+            <a:r>
+              <a:rPr lang="en" sz="1400">
+                <a:latin typeface="Lato"/>
+                <a:ea typeface="Lato"/>
+                <a:cs typeface="Lato"/>
+                <a:sym typeface="Lato"/>
+              </a:rPr>
+              <a:t>Erdem, H., Uner and A. (2009) ‘A multi-channel remote controller for home and office appliances’, IEEE Xplore Digital Library, vol. 55, no. 4, pp. 2184-2189. </a:t>
+            </a:r>
+            <a:endParaRPr sz="1400">
+              <a:latin typeface="Lato"/>
+              <a:ea typeface="Lato"/>
+              <a:cs typeface="Lato"/>
+              <a:sym typeface="Lato"/>
+            </a:endParaRPr>
+          </a:p>
+          <a:p>
+            <a:pPr marL="457200" lvl="0" indent="-311150" algn="l" rtl="0">
+              <a:lnSpc>
+                <a:spcPct val="115000"/>
+              </a:lnSpc>
+              <a:spcBef>
+                <a:spcPts val="0"/>
+              </a:spcBef>
+              <a:spcAft>
+                <a:spcPts val="0"/>
+              </a:spcAft>
+              <a:buSzPts val="1300"/>
+              <a:buChar char="●"/>
+            </a:pPr>
+            <a:r>
+              <a:rPr lang="en" sz="1400">
+                <a:latin typeface="Lato"/>
+                <a:ea typeface="Lato"/>
+                <a:cs typeface="Lato"/>
+                <a:sym typeface="Lato"/>
+              </a:rPr>
+              <a:t> </a:t>
+            </a:r>
+            <a:endParaRPr sz="1400">
+              <a:latin typeface="Lato"/>
+              <a:ea typeface="Lato"/>
+              <a:cs typeface="Lato"/>
+              <a:sym typeface="Lato"/>
+            </a:endParaRPr>
+          </a:p>
+          <a:p>
+            <a:pPr marL="457200" lvl="0" indent="-311150" algn="l" rtl="0">
+              <a:lnSpc>
+                <a:spcPct val="115000"/>
+              </a:lnSpc>
+              <a:spcBef>
+                <a:spcPts val="0"/>
+              </a:spcBef>
+              <a:spcAft>
+                <a:spcPts val="0"/>
+              </a:spcAft>
+              <a:buSzPts val="1300"/>
+              <a:buChar char="●"/>
+            </a:pPr>
+            <a:r>
+              <a:rPr lang="en" sz="1400">
+                <a:latin typeface="Lato"/>
+                <a:ea typeface="Lato"/>
+                <a:cs typeface="Lato"/>
+                <a:sym typeface="Lato"/>
+              </a:rPr>
+              <a:t>Yuksekkaya, B., Kayalar, A.A., Tosun, M.B., Ozcan, M.K., Alkar and A.Z., (2006) ‘A GSM, internet and speech controlled wireless interactive home automation system’, IEEE Xplore Digital Library, vol. 52, no. 3, pp. 837-843. </a:t>
+            </a:r>
+            <a:endParaRPr sz="1400">
+              <a:latin typeface="Lato"/>
+              <a:ea typeface="Lato"/>
+              <a:cs typeface="Lato"/>
+              <a:sym typeface="Lato"/>
+            </a:endParaRPr>
+          </a:p>
+          <a:p>
+            <a:pPr marL="457200" lvl="0" indent="-311150" algn="l" rtl="0">
+              <a:lnSpc>
+                <a:spcPct val="115000"/>
+              </a:lnSpc>
+              <a:spcBef>
+                <a:spcPts val="0"/>
+              </a:spcBef>
+              <a:spcAft>
+                <a:spcPts val="0"/>
+              </a:spcAft>
+              <a:buSzPts val="1300"/>
+              <a:buChar char="●"/>
+            </a:pPr>
+            <a:r>
+              <a:rPr lang="en" sz="1400">
+                <a:latin typeface="Lato"/>
+                <a:ea typeface="Lato"/>
+                <a:cs typeface="Lato"/>
+                <a:sym typeface="Lato"/>
+              </a:rPr>
+              <a:t> </a:t>
+            </a:r>
+            <a:endParaRPr sz="1400">
+              <a:latin typeface="Lato"/>
+              <a:ea typeface="Lato"/>
+              <a:cs typeface="Lato"/>
+              <a:sym typeface="Lato"/>
+            </a:endParaRPr>
+          </a:p>
+          <a:p>
+            <a:pPr marL="457200" lvl="0" indent="-311150" algn="l" rtl="0">
+              <a:lnSpc>
+                <a:spcPct val="115000"/>
+              </a:lnSpc>
+              <a:spcBef>
+                <a:spcPts val="0"/>
+              </a:spcBef>
+              <a:spcAft>
+                <a:spcPts val="0"/>
+              </a:spcAft>
+              <a:buSzPts val="1300"/>
+              <a:buChar char="●"/>
+            </a:pPr>
+            <a:r>
+              <a:rPr lang="en" sz="1400">
+                <a:latin typeface="Lato"/>
+                <a:ea typeface="Lato"/>
+                <a:cs typeface="Lato"/>
+                <a:sym typeface="Lato"/>
+              </a:rPr>
+              <a:t>Vernon, S., Joshi and S.S., (2011) ‘Brain—Muscle—Computer Interface: MobilePhone Prototype Development and Testing’, IEEE Xplore Digital Library, vol. 15, no. 4, pp. 531-538. </a:t>
+            </a:r>
+            <a:endParaRPr sz="1400">
+              <a:latin typeface="Lato"/>
+              <a:ea typeface="Lato"/>
+              <a:cs typeface="Lato"/>
+              <a:sym typeface="Lato"/>
+            </a:endParaRPr>
+          </a:p>
+          <a:p>
+            <a:pPr marL="457200" lvl="0" indent="-311150" algn="l" rtl="0">
+              <a:lnSpc>
+                <a:spcPct val="115000"/>
+              </a:lnSpc>
+              <a:spcBef>
+                <a:spcPts val="0"/>
+              </a:spcBef>
+              <a:spcAft>
+                <a:spcPts val="0"/>
+              </a:spcAft>
+              <a:buSzPts val="1300"/>
+              <a:buChar char="●"/>
+            </a:pPr>
+            <a:r>
+              <a:rPr lang="en" sz="1400">
+                <a:latin typeface="Lato"/>
+                <a:ea typeface="Lato"/>
+                <a:cs typeface="Lato"/>
+                <a:sym typeface="Lato"/>
+              </a:rPr>
+              <a:t> </a:t>
+            </a:r>
+            <a:endParaRPr sz="1400">
+              <a:latin typeface="Lato"/>
+              <a:ea typeface="Lato"/>
+              <a:cs typeface="Lato"/>
+              <a:sym typeface="Lato"/>
+            </a:endParaRPr>
+          </a:p>
+          <a:p>
+            <a:pPr marL="457200" lvl="0" indent="-311150" algn="l" rtl="0">
+              <a:lnSpc>
+                <a:spcPct val="115000"/>
+              </a:lnSpc>
+              <a:spcBef>
+                <a:spcPts val="0"/>
+              </a:spcBef>
+              <a:spcAft>
+                <a:spcPts val="0"/>
+              </a:spcAft>
+              <a:buSzPts val="1300"/>
+              <a:buChar char="●"/>
+            </a:pPr>
+            <a:r>
+              <a:rPr lang="en" sz="1400">
+                <a:latin typeface="Lato"/>
+                <a:ea typeface="Lato"/>
+                <a:cs typeface="Lato"/>
+                <a:sym typeface="Lato"/>
+              </a:rPr>
+              <a:t>Faundez-Zanuy and M. (2005) ‘Privacy issues on biometric systems’ , IEEE Xplore Digital Library, vol. 20, no. 2, pp. 13-15. </a:t>
+            </a:r>
+            <a:endParaRPr sz="1400">
+              <a:latin typeface="Lato"/>
+              <a:ea typeface="Lato"/>
+              <a:cs typeface="Lato"/>
+              <a:sym typeface="Lato"/>
+            </a:endParaRPr>
+          </a:p>
+          <a:p>
+            <a:pPr marL="146050" lvl="0" indent="0" algn="l" rtl="0">
+              <a:lnSpc>
+                <a:spcPct val="115000"/>
+              </a:lnSpc>
+              <a:spcBef>
+                <a:spcPts val="0"/>
+              </a:spcBef>
+              <a:spcAft>
+                <a:spcPts val="0"/>
+              </a:spcAft>
+              <a:buSzPts val="1300"/>
+              <a:buNone/>
+            </a:pPr>
+            <a:endParaRPr sz="800">
+              <a:latin typeface="Lato"/>
+              <a:ea typeface="Lato"/>
+              <a:cs typeface="Lato"/>
+              <a:sym typeface="Lato"/>
+            </a:endParaRPr>
+          </a:p>
+          <a:p>
+            <a:pPr marL="457200" lvl="0" indent="-228600" algn="l" rtl="0">
+              <a:lnSpc>
+                <a:spcPct val="115000"/>
+              </a:lnSpc>
+              <a:spcBef>
+                <a:spcPts val="0"/>
+              </a:spcBef>
+              <a:spcAft>
+                <a:spcPts val="0"/>
+              </a:spcAft>
+              <a:buSzPts val="1300"/>
+              <a:buNone/>
+            </a:pPr>
+            <a:endParaRPr sz="800"/>
+          </a:p>
+        </p:txBody>
+      </p:sp>
     </p:spTree>
   </p:cSld>
   <p:clrMapOvr>
@@ -20612,658 +20190,6 @@
 </file>
 
 <file path=ppt/slides/slide20.xml><?xml version="1.0" encoding="utf-8"?>
-<p:sld xmlns:a="http://schemas.openxmlformats.org/drawingml/2006/main" xmlns:r="http://schemas.openxmlformats.org/officeDocument/2006/relationships" xmlns:p="http://schemas.openxmlformats.org/presentationml/2006/main">
-  <p:cSld>
-    <p:spTree>
-      <p:nvGrpSpPr>
-        <p:cNvPr id="1" name="Shape 347"/>
-        <p:cNvGrpSpPr/>
-        <p:nvPr/>
-      </p:nvGrpSpPr>
-      <p:grpSpPr>
-        <a:xfrm>
-          <a:off x="0" y="0"/>
-          <a:ext cx="0" cy="0"/>
-          <a:chOff x="0" y="0"/>
-          <a:chExt cx="0" cy="0"/>
-        </a:xfrm>
-      </p:grpSpPr>
-      <p:sp>
-        <p:nvSpPr>
-          <p:cNvPr id="348" name="Google Shape;348;p30"/>
-          <p:cNvSpPr txBox="1">
-            <a:spLocks noGrp="1"/>
-          </p:cNvSpPr>
-          <p:nvPr>
-            <p:ph type="title"/>
-          </p:nvPr>
-        </p:nvSpPr>
-        <p:spPr>
-          <a:xfrm>
-            <a:off x="1297500" y="393750"/>
-            <a:ext cx="7038900" cy="914100"/>
-          </a:xfrm>
-          <a:prstGeom prst="rect">
-            <a:avLst/>
-          </a:prstGeom>
-        </p:spPr>
-        <p:txBody>
-          <a:bodyPr spcFirstLastPara="1" wrap="square" lIns="91425" tIns="91425" rIns="91425" bIns="91425" anchor="t" anchorCtr="0">
-            <a:noAutofit/>
-          </a:bodyPr>
-          <a:lstStyle/>
-          <a:p>
-            <a:pPr marL="0" lvl="0" indent="0" algn="l" rtl="0">
-              <a:spcBef>
-                <a:spcPts val="0"/>
-              </a:spcBef>
-              <a:spcAft>
-                <a:spcPts val="0"/>
-              </a:spcAft>
-              <a:buNone/>
-            </a:pPr>
-            <a:r>
-              <a:rPr lang="en" sz="1600" dirty="0"/>
-              <a:t>3.If found,it will send the alert through telegram</a:t>
-            </a:r>
-            <a:endParaRPr sz="1600" dirty="0"/>
-          </a:p>
-        </p:txBody>
-      </p:sp>
-      <p:pic>
-        <p:nvPicPr>
-          <p:cNvPr id="350" name="Google Shape;350;p30"/>
-          <p:cNvPicPr preferRelativeResize="0"/>
-          <p:nvPr/>
-        </p:nvPicPr>
-        <p:blipFill>
-          <a:blip r:embed="rId3">
-            <a:alphaModFix/>
-          </a:blip>
-          <a:stretch>
-            <a:fillRect/>
-          </a:stretch>
-        </p:blipFill>
-        <p:spPr>
-          <a:xfrm>
-            <a:off x="2770100" y="1036950"/>
-            <a:ext cx="3972400" cy="3972400"/>
-          </a:xfrm>
-          <a:prstGeom prst="rect">
-            <a:avLst/>
-          </a:prstGeom>
-          <a:noFill/>
-          <a:ln>
-            <a:noFill/>
-          </a:ln>
-        </p:spPr>
-      </p:pic>
-    </p:spTree>
-  </p:cSld>
-  <p:clrMapOvr>
-    <a:masterClrMapping/>
-  </p:clrMapOvr>
-</p:sld>
-</file>
-
-<file path=ppt/slides/slide21.xml><?xml version="1.0" encoding="utf-8"?>
-<p:sld xmlns:a="http://schemas.openxmlformats.org/drawingml/2006/main" xmlns:r="http://schemas.openxmlformats.org/officeDocument/2006/relationships" xmlns:p="http://schemas.openxmlformats.org/presentationml/2006/main">
-  <p:cSld>
-    <p:spTree>
-      <p:nvGrpSpPr>
-        <p:cNvPr id="1" name="Shape 354"/>
-        <p:cNvGrpSpPr/>
-        <p:nvPr/>
-      </p:nvGrpSpPr>
-      <p:grpSpPr>
-        <a:xfrm>
-          <a:off x="0" y="0"/>
-          <a:ext cx="0" cy="0"/>
-          <a:chOff x="0" y="0"/>
-          <a:chExt cx="0" cy="0"/>
-        </a:xfrm>
-      </p:grpSpPr>
-      <p:sp>
-        <p:nvSpPr>
-          <p:cNvPr id="355" name="Google Shape;355;p31"/>
-          <p:cNvSpPr txBox="1">
-            <a:spLocks noGrp="1"/>
-          </p:cNvSpPr>
-          <p:nvPr>
-            <p:ph type="title"/>
-          </p:nvPr>
-        </p:nvSpPr>
-        <p:spPr>
-          <a:xfrm>
-            <a:off x="1297500" y="393750"/>
-            <a:ext cx="7038900" cy="914100"/>
-          </a:xfrm>
-          <a:prstGeom prst="rect">
-            <a:avLst/>
-          </a:prstGeom>
-          <a:noFill/>
-          <a:ln>
-            <a:noFill/>
-          </a:ln>
-        </p:spPr>
-        <p:txBody>
-          <a:bodyPr spcFirstLastPara="1" wrap="square" lIns="91425" tIns="91425" rIns="91425" bIns="91425" anchor="t" anchorCtr="0">
-            <a:noAutofit/>
-          </a:bodyPr>
-          <a:lstStyle/>
-          <a:p>
-            <a:pPr marL="0" lvl="0" indent="0" algn="l" rtl="0">
-              <a:lnSpc>
-                <a:spcPct val="100000"/>
-              </a:lnSpc>
-              <a:spcBef>
-                <a:spcPts val="0"/>
-              </a:spcBef>
-              <a:spcAft>
-                <a:spcPts val="0"/>
-              </a:spcAft>
-              <a:buSzPts val="2400"/>
-              <a:buNone/>
-            </a:pPr>
-            <a:r>
-              <a:rPr lang="en"/>
-              <a:t>CONCLUSION</a:t>
-            </a:r>
-            <a:endParaRPr/>
-          </a:p>
-        </p:txBody>
-      </p:sp>
-      <p:sp>
-        <p:nvSpPr>
-          <p:cNvPr id="356" name="Google Shape;356;p31"/>
-          <p:cNvSpPr txBox="1">
-            <a:spLocks noGrp="1"/>
-          </p:cNvSpPr>
-          <p:nvPr>
-            <p:ph type="body" idx="1"/>
-          </p:nvPr>
-        </p:nvSpPr>
-        <p:spPr>
-          <a:xfrm>
-            <a:off x="1297500" y="1567550"/>
-            <a:ext cx="7038900" cy="2911200"/>
-          </a:xfrm>
-          <a:prstGeom prst="rect">
-            <a:avLst/>
-          </a:prstGeom>
-          <a:noFill/>
-          <a:ln>
-            <a:noFill/>
-          </a:ln>
-        </p:spPr>
-        <p:txBody>
-          <a:bodyPr spcFirstLastPara="1" wrap="square" lIns="91425" tIns="91425" rIns="91425" bIns="91425" anchor="t" anchorCtr="0">
-            <a:noAutofit/>
-          </a:bodyPr>
-          <a:lstStyle/>
-          <a:p>
-            <a:pPr marL="457200" lvl="0" indent="-311150" algn="l" rtl="0">
-              <a:lnSpc>
-                <a:spcPct val="115000"/>
-              </a:lnSpc>
-              <a:spcBef>
-                <a:spcPts val="0"/>
-              </a:spcBef>
-              <a:spcAft>
-                <a:spcPts val="0"/>
-              </a:spcAft>
-              <a:buSzPts val="1300"/>
-              <a:buChar char="●"/>
-            </a:pPr>
-            <a:r>
-              <a:rPr lang="en" sz="1400" dirty="0">
-                <a:latin typeface="Times New Roman"/>
-                <a:ea typeface="Times New Roman"/>
-                <a:cs typeface="Times New Roman"/>
-                <a:sym typeface="Times New Roman"/>
-              </a:rPr>
-              <a:t>This project is used to implement the face recognition and surveillance. </a:t>
-            </a:r>
-            <a:endParaRPr dirty="0"/>
-          </a:p>
-          <a:p>
-            <a:pPr marL="457200" lvl="0" indent="-311150" algn="l" rtl="0">
-              <a:lnSpc>
-                <a:spcPct val="115000"/>
-              </a:lnSpc>
-              <a:spcBef>
-                <a:spcPts val="0"/>
-              </a:spcBef>
-              <a:spcAft>
-                <a:spcPts val="0"/>
-              </a:spcAft>
-              <a:buSzPts val="1300"/>
-              <a:buChar char="●"/>
-            </a:pPr>
-            <a:r>
-              <a:rPr lang="en" sz="1400" dirty="0">
-                <a:latin typeface="Times New Roman"/>
-                <a:ea typeface="Times New Roman"/>
-                <a:cs typeface="Times New Roman"/>
-                <a:sym typeface="Times New Roman"/>
-              </a:rPr>
-              <a:t>Face recognition nowadays has been widely used on many areas, can be improved with the implement of this product. </a:t>
-            </a:r>
-            <a:endParaRPr dirty="0"/>
-          </a:p>
-          <a:p>
-            <a:pPr marL="457200" lvl="0" indent="-311150" algn="l" rtl="0">
-              <a:lnSpc>
-                <a:spcPct val="115000"/>
-              </a:lnSpc>
-              <a:spcBef>
-                <a:spcPts val="0"/>
-              </a:spcBef>
-              <a:spcAft>
-                <a:spcPts val="0"/>
-              </a:spcAft>
-              <a:buSzPts val="1300"/>
-              <a:buChar char="●"/>
-            </a:pPr>
-            <a:r>
-              <a:rPr lang="en" sz="1400" dirty="0">
-                <a:latin typeface="Times New Roman"/>
-                <a:ea typeface="Times New Roman"/>
-                <a:cs typeface="Times New Roman"/>
-                <a:sym typeface="Times New Roman"/>
-              </a:rPr>
-              <a:t>It is design with low cost and efficient material. </a:t>
-            </a:r>
-            <a:endParaRPr dirty="0"/>
-          </a:p>
-          <a:p>
-            <a:pPr marL="457200" lvl="0" indent="-311150" algn="l" rtl="0">
-              <a:lnSpc>
-                <a:spcPct val="115000"/>
-              </a:lnSpc>
-              <a:spcBef>
-                <a:spcPts val="0"/>
-              </a:spcBef>
-              <a:spcAft>
-                <a:spcPts val="0"/>
-              </a:spcAft>
-              <a:buSzPts val="1300"/>
-              <a:buChar char="●"/>
-            </a:pPr>
-            <a:r>
-              <a:rPr lang="en" sz="1400" dirty="0">
-                <a:latin typeface="Times New Roman"/>
-                <a:ea typeface="Times New Roman"/>
-                <a:cs typeface="Times New Roman"/>
-                <a:sym typeface="Times New Roman"/>
-              </a:rPr>
-              <a:t>The improvement of technology had made the internet of thing no longer an expensive stuff and it can be modified and customized depend on our needs. </a:t>
-            </a:r>
-            <a:endParaRPr dirty="0"/>
-          </a:p>
-        </p:txBody>
-      </p:sp>
-    </p:spTree>
-  </p:cSld>
-  <p:clrMapOvr>
-    <a:masterClrMapping/>
-  </p:clrMapOvr>
-</p:sld>
-</file>
-
-<file path=ppt/slides/slide22.xml><?xml version="1.0" encoding="utf-8"?>
-<p:sld xmlns:a="http://schemas.openxmlformats.org/drawingml/2006/main" xmlns:r="http://schemas.openxmlformats.org/officeDocument/2006/relationships" xmlns:p="http://schemas.openxmlformats.org/presentationml/2006/main">
-  <p:cSld>
-    <p:spTree>
-      <p:nvGrpSpPr>
-        <p:cNvPr id="1" name="Shape 360"/>
-        <p:cNvGrpSpPr/>
-        <p:nvPr/>
-      </p:nvGrpSpPr>
-      <p:grpSpPr>
-        <a:xfrm>
-          <a:off x="0" y="0"/>
-          <a:ext cx="0" cy="0"/>
-          <a:chOff x="0" y="0"/>
-          <a:chExt cx="0" cy="0"/>
-        </a:xfrm>
-      </p:grpSpPr>
-      <p:sp>
-        <p:nvSpPr>
-          <p:cNvPr id="361" name="Google Shape;361;p32"/>
-          <p:cNvSpPr txBox="1">
-            <a:spLocks noGrp="1"/>
-          </p:cNvSpPr>
-          <p:nvPr>
-            <p:ph type="title"/>
-          </p:nvPr>
-        </p:nvSpPr>
-        <p:spPr>
-          <a:xfrm>
-            <a:off x="1297500" y="393750"/>
-            <a:ext cx="7038900" cy="914100"/>
-          </a:xfrm>
-          <a:prstGeom prst="rect">
-            <a:avLst/>
-          </a:prstGeom>
-          <a:noFill/>
-          <a:ln>
-            <a:noFill/>
-          </a:ln>
-        </p:spPr>
-        <p:txBody>
-          <a:bodyPr spcFirstLastPara="1" wrap="square" lIns="91425" tIns="91425" rIns="91425" bIns="91425" anchor="t" anchorCtr="0">
-            <a:noAutofit/>
-          </a:bodyPr>
-          <a:lstStyle/>
-          <a:p>
-            <a:pPr marL="0" lvl="0" indent="0" algn="l" rtl="0">
-              <a:lnSpc>
-                <a:spcPct val="100000"/>
-              </a:lnSpc>
-              <a:spcBef>
-                <a:spcPts val="0"/>
-              </a:spcBef>
-              <a:spcAft>
-                <a:spcPts val="0"/>
-              </a:spcAft>
-              <a:buSzPts val="2400"/>
-              <a:buNone/>
-            </a:pPr>
-            <a:r>
-              <a:rPr lang="en"/>
-              <a:t>REFRENCE</a:t>
-            </a:r>
-            <a:endParaRPr/>
-          </a:p>
-        </p:txBody>
-      </p:sp>
-      <p:sp>
-        <p:nvSpPr>
-          <p:cNvPr id="362" name="Google Shape;362;p32"/>
-          <p:cNvSpPr txBox="1">
-            <a:spLocks noGrp="1"/>
-          </p:cNvSpPr>
-          <p:nvPr>
-            <p:ph type="body" idx="1"/>
-          </p:nvPr>
-        </p:nvSpPr>
-        <p:spPr>
-          <a:xfrm>
-            <a:off x="1190820" y="1116150"/>
-            <a:ext cx="7038900" cy="2911200"/>
-          </a:xfrm>
-          <a:prstGeom prst="rect">
-            <a:avLst/>
-          </a:prstGeom>
-          <a:noFill/>
-          <a:ln>
-            <a:noFill/>
-          </a:ln>
-        </p:spPr>
-        <p:txBody>
-          <a:bodyPr spcFirstLastPara="1" wrap="square" lIns="91425" tIns="91425" rIns="91425" bIns="91425" anchor="t" anchorCtr="0">
-            <a:noAutofit/>
-          </a:bodyPr>
-          <a:lstStyle/>
-          <a:p>
-            <a:pPr marL="457200" lvl="0" indent="-311150" algn="l" rtl="0">
-              <a:lnSpc>
-                <a:spcPct val="115000"/>
-              </a:lnSpc>
-              <a:spcBef>
-                <a:spcPts val="0"/>
-              </a:spcBef>
-              <a:spcAft>
-                <a:spcPts val="0"/>
-              </a:spcAft>
-              <a:buSzPts val="1300"/>
-              <a:buChar char="●"/>
-            </a:pPr>
-            <a:r>
-              <a:rPr lang="en" sz="1400">
-                <a:latin typeface="Lato"/>
-                <a:ea typeface="Lato"/>
-                <a:cs typeface="Lato"/>
-                <a:sym typeface="Lato"/>
-              </a:rPr>
-              <a:t>Erdem, H., Uner and A. (2009) ‘A multi-channel remote controller for home and office appliances’, IEEE Xplore Digital Library, vol. 55, no. 4, pp. 2184-2189. </a:t>
-            </a:r>
-            <a:endParaRPr sz="1400">
-              <a:latin typeface="Lato"/>
-              <a:ea typeface="Lato"/>
-              <a:cs typeface="Lato"/>
-              <a:sym typeface="Lato"/>
-            </a:endParaRPr>
-          </a:p>
-          <a:p>
-            <a:pPr marL="457200" lvl="0" indent="-311150" algn="l" rtl="0">
-              <a:lnSpc>
-                <a:spcPct val="115000"/>
-              </a:lnSpc>
-              <a:spcBef>
-                <a:spcPts val="0"/>
-              </a:spcBef>
-              <a:spcAft>
-                <a:spcPts val="0"/>
-              </a:spcAft>
-              <a:buSzPts val="1300"/>
-              <a:buChar char="●"/>
-            </a:pPr>
-            <a:r>
-              <a:rPr lang="en" sz="1400">
-                <a:latin typeface="Lato"/>
-                <a:ea typeface="Lato"/>
-                <a:cs typeface="Lato"/>
-                <a:sym typeface="Lato"/>
-              </a:rPr>
-              <a:t> </a:t>
-            </a:r>
-            <a:endParaRPr sz="1400">
-              <a:latin typeface="Lato"/>
-              <a:ea typeface="Lato"/>
-              <a:cs typeface="Lato"/>
-              <a:sym typeface="Lato"/>
-            </a:endParaRPr>
-          </a:p>
-          <a:p>
-            <a:pPr marL="457200" lvl="0" indent="-311150" algn="l" rtl="0">
-              <a:lnSpc>
-                <a:spcPct val="115000"/>
-              </a:lnSpc>
-              <a:spcBef>
-                <a:spcPts val="0"/>
-              </a:spcBef>
-              <a:spcAft>
-                <a:spcPts val="0"/>
-              </a:spcAft>
-              <a:buSzPts val="1300"/>
-              <a:buChar char="●"/>
-            </a:pPr>
-            <a:r>
-              <a:rPr lang="en" sz="1400">
-                <a:latin typeface="Lato"/>
-                <a:ea typeface="Lato"/>
-                <a:cs typeface="Lato"/>
-                <a:sym typeface="Lato"/>
-              </a:rPr>
-              <a:t>Yuksekkaya, B., Kayalar, A.A., Tosun, M.B., Ozcan, M.K., Alkar and A.Z., (2006) ‘A GSM, internet and speech controlled wireless interactive home automation system’, IEEE Xplore Digital Library, vol. 52, no. 3, pp. 837-843. </a:t>
-            </a:r>
-            <a:endParaRPr sz="1400">
-              <a:latin typeface="Lato"/>
-              <a:ea typeface="Lato"/>
-              <a:cs typeface="Lato"/>
-              <a:sym typeface="Lato"/>
-            </a:endParaRPr>
-          </a:p>
-          <a:p>
-            <a:pPr marL="457200" lvl="0" indent="-311150" algn="l" rtl="0">
-              <a:lnSpc>
-                <a:spcPct val="115000"/>
-              </a:lnSpc>
-              <a:spcBef>
-                <a:spcPts val="0"/>
-              </a:spcBef>
-              <a:spcAft>
-                <a:spcPts val="0"/>
-              </a:spcAft>
-              <a:buSzPts val="1300"/>
-              <a:buChar char="●"/>
-            </a:pPr>
-            <a:r>
-              <a:rPr lang="en" sz="1400">
-                <a:latin typeface="Lato"/>
-                <a:ea typeface="Lato"/>
-                <a:cs typeface="Lato"/>
-                <a:sym typeface="Lato"/>
-              </a:rPr>
-              <a:t> </a:t>
-            </a:r>
-            <a:endParaRPr sz="1400">
-              <a:latin typeface="Lato"/>
-              <a:ea typeface="Lato"/>
-              <a:cs typeface="Lato"/>
-              <a:sym typeface="Lato"/>
-            </a:endParaRPr>
-          </a:p>
-          <a:p>
-            <a:pPr marL="457200" lvl="0" indent="-311150" algn="l" rtl="0">
-              <a:lnSpc>
-                <a:spcPct val="115000"/>
-              </a:lnSpc>
-              <a:spcBef>
-                <a:spcPts val="0"/>
-              </a:spcBef>
-              <a:spcAft>
-                <a:spcPts val="0"/>
-              </a:spcAft>
-              <a:buSzPts val="1300"/>
-              <a:buChar char="●"/>
-            </a:pPr>
-            <a:r>
-              <a:rPr lang="en" sz="1400">
-                <a:latin typeface="Lato"/>
-                <a:ea typeface="Lato"/>
-                <a:cs typeface="Lato"/>
-                <a:sym typeface="Lato"/>
-              </a:rPr>
-              <a:t>Vernon, S., Joshi and S.S., (2011) ‘Brain—Muscle—Computer Interface: MobilePhone Prototype Development and Testing’, IEEE Xplore Digital Library, vol. 15, no. 4, pp. 531-538. </a:t>
-            </a:r>
-            <a:endParaRPr sz="1400">
-              <a:latin typeface="Lato"/>
-              <a:ea typeface="Lato"/>
-              <a:cs typeface="Lato"/>
-              <a:sym typeface="Lato"/>
-            </a:endParaRPr>
-          </a:p>
-          <a:p>
-            <a:pPr marL="457200" lvl="0" indent="-311150" algn="l" rtl="0">
-              <a:lnSpc>
-                <a:spcPct val="115000"/>
-              </a:lnSpc>
-              <a:spcBef>
-                <a:spcPts val="0"/>
-              </a:spcBef>
-              <a:spcAft>
-                <a:spcPts val="0"/>
-              </a:spcAft>
-              <a:buSzPts val="1300"/>
-              <a:buChar char="●"/>
-            </a:pPr>
-            <a:r>
-              <a:rPr lang="en" sz="1400">
-                <a:latin typeface="Lato"/>
-                <a:ea typeface="Lato"/>
-                <a:cs typeface="Lato"/>
-                <a:sym typeface="Lato"/>
-              </a:rPr>
-              <a:t> </a:t>
-            </a:r>
-            <a:endParaRPr sz="1400">
-              <a:latin typeface="Lato"/>
-              <a:ea typeface="Lato"/>
-              <a:cs typeface="Lato"/>
-              <a:sym typeface="Lato"/>
-            </a:endParaRPr>
-          </a:p>
-          <a:p>
-            <a:pPr marL="457200" lvl="0" indent="-311150" algn="l" rtl="0">
-              <a:lnSpc>
-                <a:spcPct val="115000"/>
-              </a:lnSpc>
-              <a:spcBef>
-                <a:spcPts val="0"/>
-              </a:spcBef>
-              <a:spcAft>
-                <a:spcPts val="0"/>
-              </a:spcAft>
-              <a:buSzPts val="1300"/>
-              <a:buChar char="●"/>
-            </a:pPr>
-            <a:r>
-              <a:rPr lang="en" sz="1400">
-                <a:latin typeface="Lato"/>
-                <a:ea typeface="Lato"/>
-                <a:cs typeface="Lato"/>
-                <a:sym typeface="Lato"/>
-              </a:rPr>
-              <a:t>Faundez-Zanuy and M. (2005) ‘Privacy issues on biometric systems’ , IEEE Xplore Digital Library, vol. 20, no. 2, pp. 13-15. </a:t>
-            </a:r>
-            <a:endParaRPr sz="1400">
-              <a:latin typeface="Lato"/>
-              <a:ea typeface="Lato"/>
-              <a:cs typeface="Lato"/>
-              <a:sym typeface="Lato"/>
-            </a:endParaRPr>
-          </a:p>
-          <a:p>
-            <a:pPr marL="146050" lvl="0" indent="0" algn="l" rtl="0">
-              <a:lnSpc>
-                <a:spcPct val="115000"/>
-              </a:lnSpc>
-              <a:spcBef>
-                <a:spcPts val="0"/>
-              </a:spcBef>
-              <a:spcAft>
-                <a:spcPts val="0"/>
-              </a:spcAft>
-              <a:buSzPts val="1300"/>
-              <a:buNone/>
-            </a:pPr>
-            <a:endParaRPr sz="800">
-              <a:latin typeface="Lato"/>
-              <a:ea typeface="Lato"/>
-              <a:cs typeface="Lato"/>
-              <a:sym typeface="Lato"/>
-            </a:endParaRPr>
-          </a:p>
-          <a:p>
-            <a:pPr marL="457200" lvl="0" indent="-228600" algn="l" rtl="0">
-              <a:lnSpc>
-                <a:spcPct val="115000"/>
-              </a:lnSpc>
-              <a:spcBef>
-                <a:spcPts val="0"/>
-              </a:spcBef>
-              <a:spcAft>
-                <a:spcPts val="0"/>
-              </a:spcAft>
-              <a:buSzPts val="1300"/>
-              <a:buNone/>
-            </a:pPr>
-            <a:endParaRPr sz="800"/>
-          </a:p>
-        </p:txBody>
-      </p:sp>
-    </p:spTree>
-  </p:cSld>
-  <p:clrMapOvr>
-    <a:masterClrMapping/>
-  </p:clrMapOvr>
-</p:sld>
-</file>
-
-<file path=ppt/slides/slide23.xml><?xml version="1.0" encoding="utf-8"?>
 <p:sld xmlns:a="http://schemas.openxmlformats.org/drawingml/2006/main" xmlns:r="http://schemas.openxmlformats.org/officeDocument/2006/relationships" xmlns:p="http://schemas.openxmlformats.org/presentationml/2006/main">
   <p:cSld>
     <p:spTree>
